--- a/05_revue_de_projet/revue_01/01_alan_carrer/diaporama.pptx
+++ b/05_revue_de_projet/revue_01/01_alan_carrer/diaporama.pptx
@@ -8,6 +8,8 @@
     <p:sldId id="256" r:id="rId2"/>
     <p:sldId id="257" r:id="rId3"/>
     <p:sldId id="258" r:id="rId4"/>
+    <p:sldId id="259" r:id="rId5"/>
+    <p:sldId id="260" r:id="rId6"/>
   </p:sldIdLst>
   <p:sldSz cx="12192000" cy="6858000"/>
   <p:notesSz cx="6858000" cy="9144000"/>
@@ -106,7 +108,16 @@
       </a:defRPr>
     </a:lvl9pPr>
   </p:defaultTextStyle>
+  <p:extLst>
+    <p:ext uri="{EFAFB233-063F-42B5-8137-9DF3F51BA10A}">
+      <p15:sldGuideLst xmlns:p15="http://schemas.microsoft.com/office/powerpoint/2012/main"/>
+    </p:ext>
+  </p:extLst>
 </p:presentation>
+</file>
+
+<file path=ppt/revisionInfo.xml><?xml version="1.0" encoding="utf-8"?>
+<p1510:revInfo xmlns:a="http://schemas.openxmlformats.org/drawingml/2006/main" xmlns:r="http://schemas.openxmlformats.org/officeDocument/2006/relationships" xmlns:p1510="http://schemas.microsoft.com/office/powerpoint/2015/10/main"/>
 </file>
 
 <file path=ppt/slideLayouts/slideLayout1.xml><?xml version="1.0" encoding="utf-8"?>
@@ -322,7 +333,7 @@
           <a:p>
             <a:fld id="{1F5DCE98-6469-4349-83BA-9C41D5BCF405}" type="datetimeFigureOut">
               <a:rPr lang="fr-FR" smtClean="0"/>
-              <a:t>23/01/2018</a:t>
+              <a:t>25/01/2018</a:t>
             </a:fld>
             <a:endParaRPr lang="fr-FR"/>
           </a:p>
@@ -613,7 +624,7 @@
           <a:p>
             <a:fld id="{1F5DCE98-6469-4349-83BA-9C41D5BCF405}" type="datetimeFigureOut">
               <a:rPr lang="fr-FR" smtClean="0"/>
-              <a:t>23/01/2018</a:t>
+              <a:t>25/01/2018</a:t>
             </a:fld>
             <a:endParaRPr lang="fr-FR"/>
           </a:p>
@@ -872,7 +883,7 @@
           <a:p>
             <a:fld id="{1F5DCE98-6469-4349-83BA-9C41D5BCF405}" type="datetimeFigureOut">
               <a:rPr lang="fr-FR" smtClean="0"/>
-              <a:t>23/01/2018</a:t>
+              <a:t>25/01/2018</a:t>
             </a:fld>
             <a:endParaRPr lang="fr-FR"/>
           </a:p>
@@ -1341,7 +1352,7 @@
           <a:p>
             <a:fld id="{1F5DCE98-6469-4349-83BA-9C41D5BCF405}" type="datetimeFigureOut">
               <a:rPr lang="fr-FR" smtClean="0"/>
-              <a:t>23/01/2018</a:t>
+              <a:t>25/01/2018</a:t>
             </a:fld>
             <a:endParaRPr lang="fr-FR"/>
           </a:p>
@@ -1521,7 +1532,7 @@
           <a:p>
             <a:fld id="{1F5DCE98-6469-4349-83BA-9C41D5BCF405}" type="datetimeFigureOut">
               <a:rPr lang="fr-FR" smtClean="0"/>
-              <a:t>23/01/2018</a:t>
+              <a:t>25/01/2018</a:t>
             </a:fld>
             <a:endParaRPr lang="fr-FR"/>
           </a:p>
@@ -2097,7 +2108,7 @@
           <a:p>
             <a:fld id="{1F5DCE98-6469-4349-83BA-9C41D5BCF405}" type="datetimeFigureOut">
               <a:rPr lang="fr-FR" smtClean="0"/>
-              <a:t>23/01/2018</a:t>
+              <a:t>25/01/2018</a:t>
             </a:fld>
             <a:endParaRPr lang="fr-FR"/>
           </a:p>
@@ -2429,7 +2440,7 @@
           <a:p>
             <a:fld id="{1F5DCE98-6469-4349-83BA-9C41D5BCF405}" type="datetimeFigureOut">
               <a:rPr lang="fr-FR" smtClean="0"/>
-              <a:t>23/01/2018</a:t>
+              <a:t>25/01/2018</a:t>
             </a:fld>
             <a:endParaRPr lang="fr-FR"/>
           </a:p>
@@ -2604,7 +2615,7 @@
           <a:p>
             <a:fld id="{1F5DCE98-6469-4349-83BA-9C41D5BCF405}" type="datetimeFigureOut">
               <a:rPr lang="fr-FR" smtClean="0"/>
-              <a:t>23/01/2018</a:t>
+              <a:t>25/01/2018</a:t>
             </a:fld>
             <a:endParaRPr lang="fr-FR"/>
           </a:p>
@@ -2784,7 +2795,7 @@
           <a:p>
             <a:fld id="{1F5DCE98-6469-4349-83BA-9C41D5BCF405}" type="datetimeFigureOut">
               <a:rPr lang="fr-FR" smtClean="0"/>
-              <a:t>23/01/2018</a:t>
+              <a:t>25/01/2018</a:t>
             </a:fld>
             <a:endParaRPr lang="fr-FR"/>
           </a:p>
@@ -2954,7 +2965,7 @@
           <a:p>
             <a:fld id="{1F5DCE98-6469-4349-83BA-9C41D5BCF405}" type="datetimeFigureOut">
               <a:rPr lang="fr-FR" smtClean="0"/>
-              <a:t>23/01/2018</a:t>
+              <a:t>25/01/2018</a:t>
             </a:fld>
             <a:endParaRPr lang="fr-FR"/>
           </a:p>
@@ -3211,7 +3222,7 @@
           <a:p>
             <a:fld id="{1F5DCE98-6469-4349-83BA-9C41D5BCF405}" type="datetimeFigureOut">
               <a:rPr lang="fr-FR" smtClean="0"/>
-              <a:t>23/01/2018</a:t>
+              <a:t>25/01/2018</a:t>
             </a:fld>
             <a:endParaRPr lang="fr-FR"/>
           </a:p>
@@ -3503,7 +3514,7 @@
           <a:p>
             <a:fld id="{1F5DCE98-6469-4349-83BA-9C41D5BCF405}" type="datetimeFigureOut">
               <a:rPr lang="fr-FR" smtClean="0"/>
-              <a:t>23/01/2018</a:t>
+              <a:t>25/01/2018</a:t>
             </a:fld>
             <a:endParaRPr lang="fr-FR"/>
           </a:p>
@@ -3933,7 +3944,7 @@
           <a:p>
             <a:fld id="{1F5DCE98-6469-4349-83BA-9C41D5BCF405}" type="datetimeFigureOut">
               <a:rPr lang="fr-FR" smtClean="0"/>
-              <a:t>23/01/2018</a:t>
+              <a:t>25/01/2018</a:t>
             </a:fld>
             <a:endParaRPr lang="fr-FR"/>
           </a:p>
@@ -4051,7 +4062,7 @@
           <a:p>
             <a:fld id="{1F5DCE98-6469-4349-83BA-9C41D5BCF405}" type="datetimeFigureOut">
               <a:rPr lang="fr-FR" smtClean="0"/>
-              <a:t>23/01/2018</a:t>
+              <a:t>25/01/2018</a:t>
             </a:fld>
             <a:endParaRPr lang="fr-FR"/>
           </a:p>
@@ -4146,7 +4157,7 @@
           <a:p>
             <a:fld id="{1F5DCE98-6469-4349-83BA-9C41D5BCF405}" type="datetimeFigureOut">
               <a:rPr lang="fr-FR" smtClean="0"/>
-              <a:t>23/01/2018</a:t>
+              <a:t>25/01/2018</a:t>
             </a:fld>
             <a:endParaRPr lang="fr-FR"/>
           </a:p>
@@ -4429,7 +4440,7 @@
           <a:p>
             <a:fld id="{1F5DCE98-6469-4349-83BA-9C41D5BCF405}" type="datetimeFigureOut">
               <a:rPr lang="fr-FR" smtClean="0"/>
-              <a:t>23/01/2018</a:t>
+              <a:t>25/01/2018</a:t>
             </a:fld>
             <a:endParaRPr lang="fr-FR"/>
           </a:p>
@@ -4720,7 +4731,7 @@
           <a:p>
             <a:fld id="{1F5DCE98-6469-4349-83BA-9C41D5BCF405}" type="datetimeFigureOut">
               <a:rPr lang="fr-FR" smtClean="0"/>
-              <a:t>23/01/2018</a:t>
+              <a:t>25/01/2018</a:t>
             </a:fld>
             <a:endParaRPr lang="fr-FR"/>
           </a:p>
@@ -4951,7 +4962,7 @@
           <a:p>
             <a:fld id="{1F5DCE98-6469-4349-83BA-9C41D5BCF405}" type="datetimeFigureOut">
               <a:rPr lang="fr-FR" smtClean="0"/>
-              <a:t>23/01/2018</a:t>
+              <a:t>25/01/2018</a:t>
             </a:fld>
             <a:endParaRPr lang="fr-FR"/>
           </a:p>
@@ -6802,6 +6813,302 @@
 </p:sld>
 </file>
 
+<file path=ppt/slides/slide4.xml><?xml version="1.0" encoding="utf-8"?>
+<p:sld xmlns:a="http://schemas.openxmlformats.org/drawingml/2006/main" xmlns:r="http://schemas.openxmlformats.org/officeDocument/2006/relationships" xmlns:p="http://schemas.openxmlformats.org/presentationml/2006/main">
+  <p:cSld>
+    <p:spTree>
+      <p:nvGrpSpPr>
+        <p:cNvPr id="1" name=""/>
+        <p:cNvGrpSpPr/>
+        <p:nvPr/>
+      </p:nvGrpSpPr>
+      <p:grpSpPr>
+        <a:xfrm>
+          <a:off x="0" y="0"/>
+          <a:ext cx="0" cy="0"/>
+          <a:chOff x="0" y="0"/>
+          <a:chExt cx="0" cy="0"/>
+        </a:xfrm>
+      </p:grpSpPr>
+      <p:sp>
+        <p:nvSpPr>
+          <p:cNvPr id="2" name="Titre 1">
+            <a:extLst>
+              <a:ext uri="{FF2B5EF4-FFF2-40B4-BE49-F238E27FC236}">
+                <a16:creationId xmlns:a16="http://schemas.microsoft.com/office/drawing/2014/main" id="{71F52973-9E34-4B64-BFE4-2E42711F3666}"/>
+              </a:ext>
+            </a:extLst>
+          </p:cNvPr>
+          <p:cNvSpPr>
+            <a:spLocks noGrp="1"/>
+          </p:cNvSpPr>
+          <p:nvPr>
+            <p:ph type="title"/>
+          </p:nvPr>
+        </p:nvSpPr>
+        <p:spPr/>
+        <p:txBody>
+          <a:bodyPr/>
+          <a:lstStyle/>
+          <a:p>
+            <a:r>
+              <a:rPr lang="fr-FR" dirty="0"/>
+              <a:t>Technologies utilisées</a:t>
+            </a:r>
+          </a:p>
+        </p:txBody>
+      </p:sp>
+      <p:pic>
+        <p:nvPicPr>
+          <p:cNvPr id="11" name="Image 10">
+            <a:extLst>
+              <a:ext uri="{FF2B5EF4-FFF2-40B4-BE49-F238E27FC236}">
+                <a16:creationId xmlns:a16="http://schemas.microsoft.com/office/drawing/2014/main" id="{8B910C28-E141-4676-961B-2155CC175E1D}"/>
+              </a:ext>
+            </a:extLst>
+          </p:cNvPr>
+          <p:cNvPicPr>
+            <a:picLocks noChangeAspect="1"/>
+          </p:cNvPicPr>
+          <p:nvPr/>
+        </p:nvPicPr>
+        <p:blipFill>
+          <a:blip r:embed="rId2">
+            <a:extLst>
+              <a:ext uri="{28A0092B-C50C-407E-A947-70E740481C1C}">
+                <a14:useLocalDpi xmlns:a14="http://schemas.microsoft.com/office/drawing/2010/main" val="0"/>
+              </a:ext>
+            </a:extLst>
+          </a:blip>
+          <a:stretch>
+            <a:fillRect/>
+          </a:stretch>
+        </p:blipFill>
+        <p:spPr>
+          <a:xfrm>
+            <a:off x="9866489" y="6122696"/>
+            <a:ext cx="2325511" cy="735304"/>
+          </a:xfrm>
+          <a:prstGeom prst="rect">
+            <a:avLst/>
+          </a:prstGeom>
+        </p:spPr>
+      </p:pic>
+      <p:pic>
+        <p:nvPicPr>
+          <p:cNvPr id="7" name="Image 6">
+            <a:extLst>
+              <a:ext uri="{FF2B5EF4-FFF2-40B4-BE49-F238E27FC236}">
+                <a16:creationId xmlns:a16="http://schemas.microsoft.com/office/drawing/2014/main" id="{C9B411FC-93BF-4A18-85B7-A5728AE1AD15}"/>
+              </a:ext>
+            </a:extLst>
+          </p:cNvPr>
+          <p:cNvPicPr>
+            <a:picLocks noChangeAspect="1"/>
+          </p:cNvPicPr>
+          <p:nvPr/>
+        </p:nvPicPr>
+        <p:blipFill>
+          <a:blip r:embed="rId3">
+            <a:extLst>
+              <a:ext uri="{28A0092B-C50C-407E-A947-70E740481C1C}">
+                <a14:useLocalDpi xmlns:a14="http://schemas.microsoft.com/office/drawing/2010/main" val="0"/>
+              </a:ext>
+            </a:extLst>
+          </a:blip>
+          <a:stretch>
+            <a:fillRect/>
+          </a:stretch>
+        </p:blipFill>
+        <p:spPr>
+          <a:xfrm>
+            <a:off x="2645780" y="3124330"/>
+            <a:ext cx="1601905" cy="1800808"/>
+          </a:xfrm>
+          <a:prstGeom prst="rect">
+            <a:avLst/>
+          </a:prstGeom>
+        </p:spPr>
+      </p:pic>
+      <p:pic>
+        <p:nvPicPr>
+          <p:cNvPr id="9" name="Image 8">
+            <a:extLst>
+              <a:ext uri="{FF2B5EF4-FFF2-40B4-BE49-F238E27FC236}">
+                <a16:creationId xmlns:a16="http://schemas.microsoft.com/office/drawing/2014/main" id="{43881D41-EFF6-4814-9782-33906E9F12E6}"/>
+              </a:ext>
+            </a:extLst>
+          </p:cNvPr>
+          <p:cNvPicPr>
+            <a:picLocks noChangeAspect="1"/>
+          </p:cNvPicPr>
+          <p:nvPr/>
+        </p:nvPicPr>
+        <p:blipFill>
+          <a:blip r:embed="rId4">
+            <a:extLst>
+              <a:ext uri="{28A0092B-C50C-407E-A947-70E740481C1C}">
+                <a14:useLocalDpi xmlns:a14="http://schemas.microsoft.com/office/drawing/2010/main" val="0"/>
+              </a:ext>
+            </a:extLst>
+          </a:blip>
+          <a:stretch>
+            <a:fillRect/>
+          </a:stretch>
+        </p:blipFill>
+        <p:spPr>
+          <a:xfrm>
+            <a:off x="8062441" y="3124330"/>
+            <a:ext cx="1804048" cy="1804048"/>
+          </a:xfrm>
+          <a:prstGeom prst="rect">
+            <a:avLst/>
+          </a:prstGeom>
+        </p:spPr>
+      </p:pic>
+    </p:spTree>
+    <p:extLst>
+      <p:ext uri="{BB962C8B-B14F-4D97-AF65-F5344CB8AC3E}">
+        <p14:creationId xmlns:p14="http://schemas.microsoft.com/office/powerpoint/2010/main" val="3592274855"/>
+      </p:ext>
+    </p:extLst>
+  </p:cSld>
+  <p:clrMapOvr>
+    <a:masterClrMapping/>
+  </p:clrMapOvr>
+</p:sld>
+</file>
+
+<file path=ppt/slides/slide5.xml><?xml version="1.0" encoding="utf-8"?>
+<p:sld xmlns:a="http://schemas.openxmlformats.org/drawingml/2006/main" xmlns:r="http://schemas.openxmlformats.org/officeDocument/2006/relationships" xmlns:p="http://schemas.openxmlformats.org/presentationml/2006/main">
+  <p:cSld>
+    <p:spTree>
+      <p:nvGrpSpPr>
+        <p:cNvPr id="1" name=""/>
+        <p:cNvGrpSpPr/>
+        <p:nvPr/>
+      </p:nvGrpSpPr>
+      <p:grpSpPr>
+        <a:xfrm>
+          <a:off x="0" y="0"/>
+          <a:ext cx="0" cy="0"/>
+          <a:chOff x="0" y="0"/>
+          <a:chExt cx="0" cy="0"/>
+        </a:xfrm>
+      </p:grpSpPr>
+      <p:sp>
+        <p:nvSpPr>
+          <p:cNvPr id="2" name="Titre 1">
+            <a:extLst>
+              <a:ext uri="{FF2B5EF4-FFF2-40B4-BE49-F238E27FC236}">
+                <a16:creationId xmlns:a16="http://schemas.microsoft.com/office/drawing/2014/main" id="{71F52973-9E34-4B64-BFE4-2E42711F3666}"/>
+              </a:ext>
+            </a:extLst>
+          </p:cNvPr>
+          <p:cNvSpPr>
+            <a:spLocks noGrp="1"/>
+          </p:cNvSpPr>
+          <p:nvPr>
+            <p:ph type="title"/>
+          </p:nvPr>
+        </p:nvSpPr>
+        <p:spPr/>
+        <p:txBody>
+          <a:bodyPr/>
+          <a:lstStyle/>
+          <a:p>
+            <a:r>
+              <a:rPr lang="fr-FR" dirty="0"/>
+              <a:t>Questions</a:t>
+            </a:r>
+          </a:p>
+        </p:txBody>
+      </p:sp>
+      <p:pic>
+        <p:nvPicPr>
+          <p:cNvPr id="11" name="Image 10">
+            <a:extLst>
+              <a:ext uri="{FF2B5EF4-FFF2-40B4-BE49-F238E27FC236}">
+                <a16:creationId xmlns:a16="http://schemas.microsoft.com/office/drawing/2014/main" id="{8B910C28-E141-4676-961B-2155CC175E1D}"/>
+              </a:ext>
+            </a:extLst>
+          </p:cNvPr>
+          <p:cNvPicPr>
+            <a:picLocks noChangeAspect="1"/>
+          </p:cNvPicPr>
+          <p:nvPr/>
+        </p:nvPicPr>
+        <p:blipFill>
+          <a:blip r:embed="rId2">
+            <a:extLst>
+              <a:ext uri="{28A0092B-C50C-407E-A947-70E740481C1C}">
+                <a14:useLocalDpi xmlns:a14="http://schemas.microsoft.com/office/drawing/2010/main" val="0"/>
+              </a:ext>
+            </a:extLst>
+          </a:blip>
+          <a:stretch>
+            <a:fillRect/>
+          </a:stretch>
+        </p:blipFill>
+        <p:spPr>
+          <a:xfrm>
+            <a:off x="9866489" y="6122696"/>
+            <a:ext cx="2325511" cy="735304"/>
+          </a:xfrm>
+          <a:prstGeom prst="rect">
+            <a:avLst/>
+          </a:prstGeom>
+        </p:spPr>
+      </p:pic>
+      <p:pic>
+        <p:nvPicPr>
+          <p:cNvPr id="6" name="Image 5">
+            <a:extLst>
+              <a:ext uri="{FF2B5EF4-FFF2-40B4-BE49-F238E27FC236}">
+                <a16:creationId xmlns:a16="http://schemas.microsoft.com/office/drawing/2014/main" id="{595DAE5E-6F72-4A9C-83EF-D60F60761F20}"/>
+              </a:ext>
+            </a:extLst>
+          </p:cNvPr>
+          <p:cNvPicPr>
+            <a:picLocks noChangeAspect="1"/>
+          </p:cNvPicPr>
+          <p:nvPr/>
+        </p:nvPicPr>
+        <p:blipFill>
+          <a:blip r:embed="rId3">
+            <a:extLst>
+              <a:ext uri="{28A0092B-C50C-407E-A947-70E740481C1C}">
+                <a14:useLocalDpi xmlns:a14="http://schemas.microsoft.com/office/drawing/2010/main" val="0"/>
+              </a:ext>
+            </a:extLst>
+          </a:blip>
+          <a:stretch>
+            <a:fillRect/>
+          </a:stretch>
+        </p:blipFill>
+        <p:spPr>
+          <a:xfrm>
+            <a:off x="4598015" y="2514600"/>
+            <a:ext cx="2992794" cy="2992794"/>
+          </a:xfrm>
+          <a:prstGeom prst="rect">
+            <a:avLst/>
+          </a:prstGeom>
+        </p:spPr>
+      </p:pic>
+    </p:spTree>
+    <p:extLst>
+      <p:ext uri="{BB962C8B-B14F-4D97-AF65-F5344CB8AC3E}">
+        <p14:creationId xmlns:p14="http://schemas.microsoft.com/office/powerpoint/2010/main" val="2003395723"/>
+      </p:ext>
+    </p:extLst>
+  </p:cSld>
+  <p:clrMapOvr>
+    <a:masterClrMapping/>
+  </p:clrMapOvr>
+</p:sld>
+</file>
+
 <file path=ppt/theme/theme1.xml><?xml version="1.0" encoding="utf-8"?>
 <a:theme xmlns:a="http://schemas.openxmlformats.org/drawingml/2006/main" name="Maillage">
   <a:themeElements>

--- a/05_revue_de_projet/revue_01/01_alan_carrer/diaporama.pptx
+++ b/05_revue_de_projet/revue_01/01_alan_carrer/diaporama.pptx
@@ -7,9 +7,10 @@
   <p:sldIdLst>
     <p:sldId id="256" r:id="rId2"/>
     <p:sldId id="257" r:id="rId3"/>
-    <p:sldId id="258" r:id="rId4"/>
-    <p:sldId id="259" r:id="rId5"/>
-    <p:sldId id="260" r:id="rId6"/>
+    <p:sldId id="261" r:id="rId4"/>
+    <p:sldId id="258" r:id="rId5"/>
+    <p:sldId id="259" r:id="rId6"/>
+    <p:sldId id="260" r:id="rId7"/>
   </p:sldIdLst>
   <p:sldSz cx="12192000" cy="6858000"/>
   <p:notesSz cx="6858000" cy="9144000"/>
@@ -333,7 +334,7 @@
           <a:p>
             <a:fld id="{1F5DCE98-6469-4349-83BA-9C41D5BCF405}" type="datetimeFigureOut">
               <a:rPr lang="fr-FR" smtClean="0"/>
-              <a:t>25/01/2018</a:t>
+              <a:t>30/01/2018</a:t>
             </a:fld>
             <a:endParaRPr lang="fr-FR"/>
           </a:p>
@@ -624,7 +625,7 @@
           <a:p>
             <a:fld id="{1F5DCE98-6469-4349-83BA-9C41D5BCF405}" type="datetimeFigureOut">
               <a:rPr lang="fr-FR" smtClean="0"/>
-              <a:t>25/01/2018</a:t>
+              <a:t>30/01/2018</a:t>
             </a:fld>
             <a:endParaRPr lang="fr-FR"/>
           </a:p>
@@ -883,7 +884,7 @@
           <a:p>
             <a:fld id="{1F5DCE98-6469-4349-83BA-9C41D5BCF405}" type="datetimeFigureOut">
               <a:rPr lang="fr-FR" smtClean="0"/>
-              <a:t>25/01/2018</a:t>
+              <a:t>30/01/2018</a:t>
             </a:fld>
             <a:endParaRPr lang="fr-FR"/>
           </a:p>
@@ -1352,7 +1353,7 @@
           <a:p>
             <a:fld id="{1F5DCE98-6469-4349-83BA-9C41D5BCF405}" type="datetimeFigureOut">
               <a:rPr lang="fr-FR" smtClean="0"/>
-              <a:t>25/01/2018</a:t>
+              <a:t>30/01/2018</a:t>
             </a:fld>
             <a:endParaRPr lang="fr-FR"/>
           </a:p>
@@ -1532,7 +1533,7 @@
           <a:p>
             <a:fld id="{1F5DCE98-6469-4349-83BA-9C41D5BCF405}" type="datetimeFigureOut">
               <a:rPr lang="fr-FR" smtClean="0"/>
-              <a:t>25/01/2018</a:t>
+              <a:t>30/01/2018</a:t>
             </a:fld>
             <a:endParaRPr lang="fr-FR"/>
           </a:p>
@@ -2108,7 +2109,7 @@
           <a:p>
             <a:fld id="{1F5DCE98-6469-4349-83BA-9C41D5BCF405}" type="datetimeFigureOut">
               <a:rPr lang="fr-FR" smtClean="0"/>
-              <a:t>25/01/2018</a:t>
+              <a:t>30/01/2018</a:t>
             </a:fld>
             <a:endParaRPr lang="fr-FR"/>
           </a:p>
@@ -2440,7 +2441,7 @@
           <a:p>
             <a:fld id="{1F5DCE98-6469-4349-83BA-9C41D5BCF405}" type="datetimeFigureOut">
               <a:rPr lang="fr-FR" smtClean="0"/>
-              <a:t>25/01/2018</a:t>
+              <a:t>30/01/2018</a:t>
             </a:fld>
             <a:endParaRPr lang="fr-FR"/>
           </a:p>
@@ -2615,7 +2616,7 @@
           <a:p>
             <a:fld id="{1F5DCE98-6469-4349-83BA-9C41D5BCF405}" type="datetimeFigureOut">
               <a:rPr lang="fr-FR" smtClean="0"/>
-              <a:t>25/01/2018</a:t>
+              <a:t>30/01/2018</a:t>
             </a:fld>
             <a:endParaRPr lang="fr-FR"/>
           </a:p>
@@ -2795,7 +2796,7 @@
           <a:p>
             <a:fld id="{1F5DCE98-6469-4349-83BA-9C41D5BCF405}" type="datetimeFigureOut">
               <a:rPr lang="fr-FR" smtClean="0"/>
-              <a:t>25/01/2018</a:t>
+              <a:t>30/01/2018</a:t>
             </a:fld>
             <a:endParaRPr lang="fr-FR"/>
           </a:p>
@@ -2965,7 +2966,7 @@
           <a:p>
             <a:fld id="{1F5DCE98-6469-4349-83BA-9C41D5BCF405}" type="datetimeFigureOut">
               <a:rPr lang="fr-FR" smtClean="0"/>
-              <a:t>25/01/2018</a:t>
+              <a:t>30/01/2018</a:t>
             </a:fld>
             <a:endParaRPr lang="fr-FR"/>
           </a:p>
@@ -3222,7 +3223,7 @@
           <a:p>
             <a:fld id="{1F5DCE98-6469-4349-83BA-9C41D5BCF405}" type="datetimeFigureOut">
               <a:rPr lang="fr-FR" smtClean="0"/>
-              <a:t>25/01/2018</a:t>
+              <a:t>30/01/2018</a:t>
             </a:fld>
             <a:endParaRPr lang="fr-FR"/>
           </a:p>
@@ -3514,7 +3515,7 @@
           <a:p>
             <a:fld id="{1F5DCE98-6469-4349-83BA-9C41D5BCF405}" type="datetimeFigureOut">
               <a:rPr lang="fr-FR" smtClean="0"/>
-              <a:t>25/01/2018</a:t>
+              <a:t>30/01/2018</a:t>
             </a:fld>
             <a:endParaRPr lang="fr-FR"/>
           </a:p>
@@ -3944,7 +3945,7 @@
           <a:p>
             <a:fld id="{1F5DCE98-6469-4349-83BA-9C41D5BCF405}" type="datetimeFigureOut">
               <a:rPr lang="fr-FR" smtClean="0"/>
-              <a:t>25/01/2018</a:t>
+              <a:t>30/01/2018</a:t>
             </a:fld>
             <a:endParaRPr lang="fr-FR"/>
           </a:p>
@@ -4062,7 +4063,7 @@
           <a:p>
             <a:fld id="{1F5DCE98-6469-4349-83BA-9C41D5BCF405}" type="datetimeFigureOut">
               <a:rPr lang="fr-FR" smtClean="0"/>
-              <a:t>25/01/2018</a:t>
+              <a:t>30/01/2018</a:t>
             </a:fld>
             <a:endParaRPr lang="fr-FR"/>
           </a:p>
@@ -4157,7 +4158,7 @@
           <a:p>
             <a:fld id="{1F5DCE98-6469-4349-83BA-9C41D5BCF405}" type="datetimeFigureOut">
               <a:rPr lang="fr-FR" smtClean="0"/>
-              <a:t>25/01/2018</a:t>
+              <a:t>30/01/2018</a:t>
             </a:fld>
             <a:endParaRPr lang="fr-FR"/>
           </a:p>
@@ -4440,7 +4441,7 @@
           <a:p>
             <a:fld id="{1F5DCE98-6469-4349-83BA-9C41D5BCF405}" type="datetimeFigureOut">
               <a:rPr lang="fr-FR" smtClean="0"/>
-              <a:t>25/01/2018</a:t>
+              <a:t>30/01/2018</a:t>
             </a:fld>
             <a:endParaRPr lang="fr-FR"/>
           </a:p>
@@ -4731,7 +4732,7 @@
           <a:p>
             <a:fld id="{1F5DCE98-6469-4349-83BA-9C41D5BCF405}" type="datetimeFigureOut">
               <a:rPr lang="fr-FR" smtClean="0"/>
-              <a:t>25/01/2018</a:t>
+              <a:t>30/01/2018</a:t>
             </a:fld>
             <a:endParaRPr lang="fr-FR"/>
           </a:p>
@@ -4962,7 +4963,7 @@
           <a:p>
             <a:fld id="{1F5DCE98-6469-4349-83BA-9C41D5BCF405}" type="datetimeFigureOut">
               <a:rPr lang="fr-FR" smtClean="0"/>
-              <a:t>25/01/2018</a:t>
+              <a:t>30/01/2018</a:t>
             </a:fld>
             <a:endParaRPr lang="fr-FR"/>
           </a:p>
@@ -6063,7 +6064,11 @@
           <a:lstStyle/>
           <a:p>
             <a:r>
-              <a:rPr lang="fr-FR" dirty="0"/>
+              <a:rPr lang="fr-FR" b="1" dirty="0">
+                <a:solidFill>
+                  <a:srgbClr val="66FF66"/>
+                </a:solidFill>
+              </a:rPr>
               <a:t>Alan Carrer</a:t>
             </a:r>
           </a:p>
@@ -6668,6 +6673,233 @@
           <p:cNvPr id="2" name="Titre 1">
             <a:extLst>
               <a:ext uri="{FF2B5EF4-FFF2-40B4-BE49-F238E27FC236}">
+                <a16:creationId xmlns:a16="http://schemas.microsoft.com/office/drawing/2014/main" id="{98C08574-A24D-43A7-8128-4E99DCE46F1C}"/>
+              </a:ext>
+            </a:extLst>
+          </p:cNvPr>
+          <p:cNvSpPr>
+            <a:spLocks noGrp="1"/>
+          </p:cNvSpPr>
+          <p:nvPr>
+            <p:ph type="title"/>
+          </p:nvPr>
+        </p:nvSpPr>
+        <p:spPr/>
+        <p:txBody>
+          <a:bodyPr/>
+          <a:lstStyle/>
+          <a:p>
+            <a:r>
+              <a:rPr lang="fr-FR" dirty="0"/>
+              <a:t>Description du projet</a:t>
+            </a:r>
+          </a:p>
+        </p:txBody>
+      </p:sp>
+      <p:sp>
+        <p:nvSpPr>
+          <p:cNvPr id="3" name="Espace réservé du contenu 2">
+            <a:extLst>
+              <a:ext uri="{FF2B5EF4-FFF2-40B4-BE49-F238E27FC236}">
+                <a16:creationId xmlns:a16="http://schemas.microsoft.com/office/drawing/2014/main" id="{9373991F-B03D-40BB-BAD4-D431C3DFEFBB}"/>
+              </a:ext>
+            </a:extLst>
+          </p:cNvPr>
+          <p:cNvSpPr>
+            <a:spLocks noGrp="1"/>
+          </p:cNvSpPr>
+          <p:nvPr>
+            <p:ph idx="1"/>
+          </p:nvPr>
+        </p:nvSpPr>
+        <p:spPr/>
+        <p:txBody>
+          <a:bodyPr/>
+          <a:lstStyle/>
+          <a:p>
+            <a:r>
+              <a:rPr lang="fr-FR" dirty="0"/>
+              <a:t>Amélioration banc de teste actuel</a:t>
+            </a:r>
+          </a:p>
+          <a:p>
+            <a:endParaRPr lang="fr-FR" dirty="0"/>
+          </a:p>
+          <a:p>
+            <a:r>
+              <a:rPr lang="fr-FR" dirty="0"/>
+              <a:t>Stocker des information et les consulter plus tard (web)</a:t>
+            </a:r>
+          </a:p>
+          <a:p>
+            <a:endParaRPr lang="fr-FR" dirty="0"/>
+          </a:p>
+          <a:p>
+            <a:r>
+              <a:rPr lang="fr-FR" dirty="0"/>
+              <a:t>Sécuriser l’accès</a:t>
+            </a:r>
+          </a:p>
+        </p:txBody>
+      </p:sp>
+      <p:pic>
+        <p:nvPicPr>
+          <p:cNvPr id="5" name="Image 4">
+            <a:extLst>
+              <a:ext uri="{FF2B5EF4-FFF2-40B4-BE49-F238E27FC236}">
+                <a16:creationId xmlns:a16="http://schemas.microsoft.com/office/drawing/2014/main" id="{9984D482-DE37-4057-9FDD-9A3E52718FCB}"/>
+              </a:ext>
+            </a:extLst>
+          </p:cNvPr>
+          <p:cNvPicPr>
+            <a:picLocks noChangeAspect="1"/>
+          </p:cNvPicPr>
+          <p:nvPr/>
+        </p:nvPicPr>
+        <p:blipFill>
+          <a:blip r:embed="rId2">
+            <a:extLst>
+              <a:ext uri="{28A0092B-C50C-407E-A947-70E740481C1C}">
+                <a14:useLocalDpi xmlns:a14="http://schemas.microsoft.com/office/drawing/2010/main" val="0"/>
+              </a:ext>
+            </a:extLst>
+          </a:blip>
+          <a:stretch>
+            <a:fillRect/>
+          </a:stretch>
+        </p:blipFill>
+        <p:spPr>
+          <a:xfrm>
+            <a:off x="9339943" y="1619411"/>
+            <a:ext cx="2852057" cy="1942778"/>
+          </a:xfrm>
+          <a:prstGeom prst="rect">
+            <a:avLst/>
+          </a:prstGeom>
+        </p:spPr>
+      </p:pic>
+      <p:pic>
+        <p:nvPicPr>
+          <p:cNvPr id="6" name="Image 5">
+            <a:extLst>
+              <a:ext uri="{FF2B5EF4-FFF2-40B4-BE49-F238E27FC236}">
+                <a16:creationId xmlns:a16="http://schemas.microsoft.com/office/drawing/2014/main" id="{BD23566E-974C-4903-9CA9-A71684C878CE}"/>
+              </a:ext>
+            </a:extLst>
+          </p:cNvPr>
+          <p:cNvPicPr>
+            <a:picLocks noChangeAspect="1"/>
+          </p:cNvPicPr>
+          <p:nvPr/>
+        </p:nvPicPr>
+        <p:blipFill>
+          <a:blip r:embed="rId3">
+            <a:extLst>
+              <a:ext uri="{28A0092B-C50C-407E-A947-70E740481C1C}">
+                <a14:useLocalDpi xmlns:a14="http://schemas.microsoft.com/office/drawing/2010/main" val="0"/>
+              </a:ext>
+            </a:extLst>
+          </a:blip>
+          <a:stretch>
+            <a:fillRect/>
+          </a:stretch>
+        </p:blipFill>
+        <p:spPr>
+          <a:xfrm>
+            <a:off x="9866489" y="6122696"/>
+            <a:ext cx="2325511" cy="735304"/>
+          </a:xfrm>
+          <a:prstGeom prst="rect">
+            <a:avLst/>
+          </a:prstGeom>
+        </p:spPr>
+      </p:pic>
+      <p:pic>
+        <p:nvPicPr>
+          <p:cNvPr id="8" name="Image 7">
+            <a:extLst>
+              <a:ext uri="{FF2B5EF4-FFF2-40B4-BE49-F238E27FC236}">
+                <a16:creationId xmlns:a16="http://schemas.microsoft.com/office/drawing/2014/main" id="{62A410F5-7D57-4805-97B8-B5C7507FA2E3}"/>
+              </a:ext>
+            </a:extLst>
+          </p:cNvPr>
+          <p:cNvPicPr>
+            <a:picLocks noChangeAspect="1"/>
+          </p:cNvPicPr>
+          <p:nvPr/>
+        </p:nvPicPr>
+        <p:blipFill>
+          <a:blip r:embed="rId4">
+            <a:extLst>
+              <a:ext uri="{BEBA8EAE-BF5A-486C-A8C5-ECC9F3942E4B}">
+                <a14:imgProps xmlns:a14="http://schemas.microsoft.com/office/drawing/2010/main">
+                  <a14:imgLayer r:embed="rId5">
+                    <a14:imgEffect>
+                      <a14:artisticPhotocopy/>
+                    </a14:imgEffect>
+                    <a14:imgEffect>
+                      <a14:colorTemperature colorTemp="11500"/>
+                    </a14:imgEffect>
+                    <a14:imgEffect>
+                      <a14:saturation sat="400000"/>
+                    </a14:imgEffect>
+                  </a14:imgLayer>
+                </a14:imgProps>
+              </a:ext>
+              <a:ext uri="{28A0092B-C50C-407E-A947-70E740481C1C}">
+                <a14:useLocalDpi xmlns:a14="http://schemas.microsoft.com/office/drawing/2010/main" val="0"/>
+              </a:ext>
+            </a:extLst>
+          </a:blip>
+          <a:stretch>
+            <a:fillRect/>
+          </a:stretch>
+        </p:blipFill>
+        <p:spPr>
+          <a:xfrm>
+            <a:off x="10082051" y="4068245"/>
+            <a:ext cx="1367840" cy="1548395"/>
+          </a:xfrm>
+          <a:prstGeom prst="rect">
+            <a:avLst/>
+          </a:prstGeom>
+        </p:spPr>
+      </p:pic>
+    </p:spTree>
+    <p:extLst>
+      <p:ext uri="{BB962C8B-B14F-4D97-AF65-F5344CB8AC3E}">
+        <p14:creationId xmlns:p14="http://schemas.microsoft.com/office/powerpoint/2010/main" val="2278404560"/>
+      </p:ext>
+    </p:extLst>
+  </p:cSld>
+  <p:clrMapOvr>
+    <a:masterClrMapping/>
+  </p:clrMapOvr>
+</p:sld>
+</file>
+
+<file path=ppt/slides/slide4.xml><?xml version="1.0" encoding="utf-8"?>
+<p:sld xmlns:a="http://schemas.openxmlformats.org/drawingml/2006/main" xmlns:r="http://schemas.openxmlformats.org/officeDocument/2006/relationships" xmlns:p="http://schemas.openxmlformats.org/presentationml/2006/main">
+  <p:cSld>
+    <p:spTree>
+      <p:nvGrpSpPr>
+        <p:cNvPr id="1" name=""/>
+        <p:cNvGrpSpPr/>
+        <p:nvPr/>
+      </p:nvGrpSpPr>
+      <p:grpSpPr>
+        <a:xfrm>
+          <a:off x="0" y="0"/>
+          <a:ext cx="0" cy="0"/>
+          <a:chOff x="0" y="0"/>
+          <a:chExt cx="0" cy="0"/>
+        </a:xfrm>
+      </p:grpSpPr>
+      <p:sp>
+        <p:nvSpPr>
+          <p:cNvPr id="2" name="Titre 1">
+            <a:extLst>
+              <a:ext uri="{FF2B5EF4-FFF2-40B4-BE49-F238E27FC236}">
                 <a16:creationId xmlns:a16="http://schemas.microsoft.com/office/drawing/2014/main" id="{71F52973-9E34-4B64-BFE4-2E42711F3666}"/>
               </a:ext>
             </a:extLst>
@@ -6800,6 +7032,42 @@
           </a:prstGeom>
         </p:spPr>
       </p:pic>
+      <p:pic>
+        <p:nvPicPr>
+          <p:cNvPr id="5" name="Image 4">
+            <a:extLst>
+              <a:ext uri="{FF2B5EF4-FFF2-40B4-BE49-F238E27FC236}">
+                <a16:creationId xmlns:a16="http://schemas.microsoft.com/office/drawing/2014/main" id="{A8E946F0-2981-472A-B45D-6B52CF6B3101}"/>
+              </a:ext>
+            </a:extLst>
+          </p:cNvPr>
+          <p:cNvPicPr>
+            <a:picLocks noChangeAspect="1"/>
+          </p:cNvPicPr>
+          <p:nvPr/>
+        </p:nvPicPr>
+        <p:blipFill>
+          <a:blip r:embed="rId3">
+            <a:extLst>
+              <a:ext uri="{28A0092B-C50C-407E-A947-70E740481C1C}">
+                <a14:useLocalDpi xmlns:a14="http://schemas.microsoft.com/office/drawing/2010/main" val="0"/>
+              </a:ext>
+            </a:extLst>
+          </a:blip>
+          <a:stretch>
+            <a:fillRect/>
+          </a:stretch>
+        </p:blipFill>
+        <p:spPr>
+          <a:xfrm>
+            <a:off x="5973413" y="1460834"/>
+            <a:ext cx="6059501" cy="4296154"/>
+          </a:xfrm>
+          <a:prstGeom prst="rect">
+            <a:avLst/>
+          </a:prstGeom>
+        </p:spPr>
+      </p:pic>
     </p:spTree>
     <p:extLst>
       <p:ext uri="{BB962C8B-B14F-4D97-AF65-F5344CB8AC3E}">
@@ -6813,7 +7081,7 @@
 </p:sld>
 </file>
 
-<file path=ppt/slides/slide4.xml><?xml version="1.0" encoding="utf-8"?>
+<file path=ppt/slides/slide5.xml><?xml version="1.0" encoding="utf-8"?>
 <p:sld xmlns:a="http://schemas.openxmlformats.org/drawingml/2006/main" xmlns:r="http://schemas.openxmlformats.org/officeDocument/2006/relationships" xmlns:p="http://schemas.openxmlformats.org/presentationml/2006/main">
   <p:cSld>
     <p:spTree>
@@ -6846,7 +7114,12 @@
             <p:ph type="title"/>
           </p:nvPr>
         </p:nvSpPr>
-        <p:spPr/>
+        <p:spPr>
+          <a:xfrm>
+            <a:off x="1141413" y="609600"/>
+            <a:ext cx="9905998" cy="1227589"/>
+          </a:xfrm>
+        </p:spPr>
         <p:txBody>
           <a:bodyPr/>
           <a:lstStyle/>
@@ -6922,8 +7195,8 @@
         </p:blipFill>
         <p:spPr>
           <a:xfrm>
-            <a:off x="2645780" y="3124330"/>
-            <a:ext cx="1601905" cy="1800808"/>
+            <a:off x="1141413" y="1700300"/>
+            <a:ext cx="1071362" cy="1204389"/>
           </a:xfrm>
           <a:prstGeom prst="rect">
             <a:avLst/>
@@ -6958,8 +7231,224 @@
         </p:blipFill>
         <p:spPr>
           <a:xfrm>
-            <a:off x="8062441" y="3124330"/>
-            <a:ext cx="1804048" cy="1804048"/>
+            <a:off x="3339440" y="1700299"/>
+            <a:ext cx="1204389" cy="1204389"/>
+          </a:xfrm>
+          <a:prstGeom prst="rect">
+            <a:avLst/>
+          </a:prstGeom>
+        </p:spPr>
+      </p:pic>
+      <p:sp>
+        <p:nvSpPr>
+          <p:cNvPr id="6" name="Titre 1">
+            <a:extLst>
+              <a:ext uri="{FF2B5EF4-FFF2-40B4-BE49-F238E27FC236}">
+                <a16:creationId xmlns:a16="http://schemas.microsoft.com/office/drawing/2014/main" id="{CF302A12-1E29-48F4-A983-12C58FC270EB}"/>
+              </a:ext>
+            </a:extLst>
+          </p:cNvPr>
+          <p:cNvSpPr txBox="1">
+            <a:spLocks/>
+          </p:cNvSpPr>
+          <p:nvPr/>
+        </p:nvSpPr>
+        <p:spPr>
+          <a:xfrm>
+            <a:off x="1141413" y="3287087"/>
+            <a:ext cx="9905998" cy="1042318"/>
+          </a:xfrm>
+          <a:prstGeom prst="rect">
+            <a:avLst/>
+          </a:prstGeom>
+        </p:spPr>
+        <p:txBody>
+          <a:bodyPr vert="horz" lIns="91440" tIns="45720" rIns="91440" bIns="45720" rtlCol="0" anchor="ctr">
+            <a:normAutofit/>
+          </a:bodyPr>
+          <a:lstStyle>
+            <a:lvl1pPr algn="l" defTabSz="457200" rtl="0" eaLnBrk="1" latinLnBrk="0" hangingPunct="1">
+              <a:spcBef>
+                <a:spcPct val="0"/>
+              </a:spcBef>
+              <a:buNone/>
+              <a:defRPr sz="3200" kern="1200" cap="all">
+                <a:ln w="3175" cmpd="sng">
+                  <a:noFill/>
+                </a:ln>
+                <a:gradFill flip="none" rotWithShape="1">
+                  <a:gsLst>
+                    <a:gs pos="0">
+                      <a:schemeClr val="tx1"/>
+                    </a:gs>
+                    <a:gs pos="100000">
+                      <a:schemeClr val="tx1">
+                        <a:lumMod val="65000"/>
+                      </a:schemeClr>
+                    </a:gs>
+                  </a:gsLst>
+                  <a:lin ang="5580000" scaled="0"/>
+                  <a:tileRect/>
+                </a:gradFill>
+                <a:effectLst>
+                  <a:glow rad="38100">
+                    <a:schemeClr val="bg1">
+                      <a:lumMod val="65000"/>
+                      <a:lumOff val="35000"/>
+                      <a:alpha val="40000"/>
+                    </a:schemeClr>
+                  </a:glow>
+                  <a:outerShdw blurRad="28575" dist="38100" dir="14040000" algn="tl" rotWithShape="0">
+                    <a:srgbClr val="000000">
+                      <a:alpha val="25000"/>
+                    </a:srgbClr>
+                  </a:outerShdw>
+                </a:effectLst>
+                <a:latin typeface="+mj-lt"/>
+                <a:ea typeface="+mj-ea"/>
+                <a:cs typeface="+mj-cs"/>
+              </a:defRPr>
+            </a:lvl1pPr>
+            <a:lvl2pPr eaLnBrk="1" hangingPunct="1">
+              <a:defRPr>
+                <a:solidFill>
+                  <a:schemeClr val="tx2"/>
+                </a:solidFill>
+              </a:defRPr>
+            </a:lvl2pPr>
+            <a:lvl3pPr eaLnBrk="1" hangingPunct="1">
+              <a:defRPr>
+                <a:solidFill>
+                  <a:schemeClr val="tx2"/>
+                </a:solidFill>
+              </a:defRPr>
+            </a:lvl3pPr>
+            <a:lvl4pPr eaLnBrk="1" hangingPunct="1">
+              <a:defRPr>
+                <a:solidFill>
+                  <a:schemeClr val="tx2"/>
+                </a:solidFill>
+              </a:defRPr>
+            </a:lvl4pPr>
+            <a:lvl5pPr eaLnBrk="1" hangingPunct="1">
+              <a:defRPr>
+                <a:solidFill>
+                  <a:schemeClr val="tx2"/>
+                </a:solidFill>
+              </a:defRPr>
+            </a:lvl5pPr>
+            <a:lvl6pPr eaLnBrk="1" hangingPunct="1">
+              <a:defRPr>
+                <a:solidFill>
+                  <a:schemeClr val="tx2"/>
+                </a:solidFill>
+              </a:defRPr>
+            </a:lvl6pPr>
+            <a:lvl7pPr eaLnBrk="1" hangingPunct="1">
+              <a:defRPr>
+                <a:solidFill>
+                  <a:schemeClr val="tx2"/>
+                </a:solidFill>
+              </a:defRPr>
+            </a:lvl7pPr>
+            <a:lvl8pPr eaLnBrk="1" hangingPunct="1">
+              <a:defRPr>
+                <a:solidFill>
+                  <a:schemeClr val="tx2"/>
+                </a:solidFill>
+              </a:defRPr>
+            </a:lvl8pPr>
+            <a:lvl9pPr eaLnBrk="1" hangingPunct="1">
+              <a:defRPr>
+                <a:solidFill>
+                  <a:schemeClr val="tx2"/>
+                </a:solidFill>
+              </a:defRPr>
+            </a:lvl9pPr>
+          </a:lstStyle>
+          <a:p>
+            <a:r>
+              <a:rPr lang="fr-FR" dirty="0"/>
+              <a:t>Logiciels utilisés</a:t>
+            </a:r>
+          </a:p>
+        </p:txBody>
+      </p:sp>
+      <p:pic>
+        <p:nvPicPr>
+          <p:cNvPr id="4" name="Image 3">
+            <a:extLst>
+              <a:ext uri="{FF2B5EF4-FFF2-40B4-BE49-F238E27FC236}">
+                <a16:creationId xmlns:a16="http://schemas.microsoft.com/office/drawing/2014/main" id="{910B640C-8B9C-41FD-BF02-9E45A47DF6F9}"/>
+              </a:ext>
+            </a:extLst>
+          </p:cNvPr>
+          <p:cNvPicPr>
+            <a:picLocks noChangeAspect="1"/>
+          </p:cNvPicPr>
+          <p:nvPr/>
+        </p:nvPicPr>
+        <p:blipFill>
+          <a:blip r:embed="rId5">
+            <a:extLst>
+              <a:ext uri="{28A0092B-C50C-407E-A947-70E740481C1C}">
+                <a14:useLocalDpi xmlns:a14="http://schemas.microsoft.com/office/drawing/2010/main" val="0"/>
+              </a:ext>
+            </a:extLst>
+          </a:blip>
+          <a:stretch>
+            <a:fillRect/>
+          </a:stretch>
+        </p:blipFill>
+        <p:spPr>
+          <a:xfrm>
+            <a:off x="1141413" y="4329405"/>
+            <a:ext cx="1638625" cy="1204389"/>
+          </a:xfrm>
+          <a:prstGeom prst="rect">
+            <a:avLst/>
+          </a:prstGeom>
+        </p:spPr>
+      </p:pic>
+      <p:pic>
+        <p:nvPicPr>
+          <p:cNvPr id="8" name="Image 7">
+            <a:extLst>
+              <a:ext uri="{FF2B5EF4-FFF2-40B4-BE49-F238E27FC236}">
+                <a16:creationId xmlns:a16="http://schemas.microsoft.com/office/drawing/2014/main" id="{36699278-F04A-4CAD-887B-720BC7E7F89B}"/>
+              </a:ext>
+            </a:extLst>
+          </p:cNvPr>
+          <p:cNvPicPr>
+            <a:picLocks noChangeAspect="1"/>
+          </p:cNvPicPr>
+          <p:nvPr/>
+        </p:nvPicPr>
+        <p:blipFill>
+          <a:blip r:embed="rId6">
+            <a:extLst>
+              <a:ext uri="{BEBA8EAE-BF5A-486C-A8C5-ECC9F3942E4B}">
+                <a14:imgProps xmlns:a14="http://schemas.microsoft.com/office/drawing/2010/main">
+                  <a14:imgLayer r:embed="rId7">
+                    <a14:imgEffect>
+                      <a14:artisticPhotocopy/>
+                    </a14:imgEffect>
+                  </a14:imgLayer>
+                </a14:imgProps>
+              </a:ext>
+              <a:ext uri="{28A0092B-C50C-407E-A947-70E740481C1C}">
+                <a14:useLocalDpi xmlns:a14="http://schemas.microsoft.com/office/drawing/2010/main" val="0"/>
+              </a:ext>
+            </a:extLst>
+          </a:blip>
+          <a:stretch>
+            <a:fillRect/>
+          </a:stretch>
+        </p:blipFill>
+        <p:spPr>
+          <a:xfrm>
+            <a:off x="3201742" y="4207885"/>
+            <a:ext cx="3904929" cy="1447427"/>
           </a:xfrm>
           <a:prstGeom prst="rect">
             <a:avLst/>
@@ -6979,7 +7468,7 @@
 </p:sld>
 </file>
 
-<file path=ppt/slides/slide5.xml><?xml version="1.0" encoding="utf-8"?>
+<file path=ppt/slides/slide6.xml><?xml version="1.0" encoding="utf-8"?>
 <p:sld xmlns:a="http://schemas.openxmlformats.org/drawingml/2006/main" xmlns:r="http://schemas.openxmlformats.org/officeDocument/2006/relationships" xmlns:p="http://schemas.openxmlformats.org/presentationml/2006/main">
   <p:cSld>
     <p:spTree>

--- a/05_revue_de_projet/revue_01/01_alan_carrer/diaporama.pptx
+++ b/05_revue_de_projet/revue_01/01_alan_carrer/diaporama.pptx
@@ -6,8 +6,8 @@
   </p:sldMasterIdLst>
   <p:sldIdLst>
     <p:sldId id="256" r:id="rId2"/>
-    <p:sldId id="257" r:id="rId3"/>
-    <p:sldId id="261" r:id="rId4"/>
+    <p:sldId id="261" r:id="rId3"/>
+    <p:sldId id="257" r:id="rId4"/>
     <p:sldId id="258" r:id="rId5"/>
     <p:sldId id="259" r:id="rId6"/>
     <p:sldId id="260" r:id="rId7"/>
@@ -334,7 +334,7 @@
           <a:p>
             <a:fld id="{1F5DCE98-6469-4349-83BA-9C41D5BCF405}" type="datetimeFigureOut">
               <a:rPr lang="fr-FR" smtClean="0"/>
-              <a:t>30/01/2018</a:t>
+              <a:t>01/02/2018</a:t>
             </a:fld>
             <a:endParaRPr lang="fr-FR"/>
           </a:p>
@@ -625,7 +625,7 @@
           <a:p>
             <a:fld id="{1F5DCE98-6469-4349-83BA-9C41D5BCF405}" type="datetimeFigureOut">
               <a:rPr lang="fr-FR" smtClean="0"/>
-              <a:t>30/01/2018</a:t>
+              <a:t>01/02/2018</a:t>
             </a:fld>
             <a:endParaRPr lang="fr-FR"/>
           </a:p>
@@ -884,7 +884,7 @@
           <a:p>
             <a:fld id="{1F5DCE98-6469-4349-83BA-9C41D5BCF405}" type="datetimeFigureOut">
               <a:rPr lang="fr-FR" smtClean="0"/>
-              <a:t>30/01/2018</a:t>
+              <a:t>01/02/2018</a:t>
             </a:fld>
             <a:endParaRPr lang="fr-FR"/>
           </a:p>
@@ -1353,7 +1353,7 @@
           <a:p>
             <a:fld id="{1F5DCE98-6469-4349-83BA-9C41D5BCF405}" type="datetimeFigureOut">
               <a:rPr lang="fr-FR" smtClean="0"/>
-              <a:t>30/01/2018</a:t>
+              <a:t>01/02/2018</a:t>
             </a:fld>
             <a:endParaRPr lang="fr-FR"/>
           </a:p>
@@ -1533,7 +1533,7 @@
           <a:p>
             <a:fld id="{1F5DCE98-6469-4349-83BA-9C41D5BCF405}" type="datetimeFigureOut">
               <a:rPr lang="fr-FR" smtClean="0"/>
-              <a:t>30/01/2018</a:t>
+              <a:t>01/02/2018</a:t>
             </a:fld>
             <a:endParaRPr lang="fr-FR"/>
           </a:p>
@@ -2109,7 +2109,7 @@
           <a:p>
             <a:fld id="{1F5DCE98-6469-4349-83BA-9C41D5BCF405}" type="datetimeFigureOut">
               <a:rPr lang="fr-FR" smtClean="0"/>
-              <a:t>30/01/2018</a:t>
+              <a:t>01/02/2018</a:t>
             </a:fld>
             <a:endParaRPr lang="fr-FR"/>
           </a:p>
@@ -2441,7 +2441,7 @@
           <a:p>
             <a:fld id="{1F5DCE98-6469-4349-83BA-9C41D5BCF405}" type="datetimeFigureOut">
               <a:rPr lang="fr-FR" smtClean="0"/>
-              <a:t>30/01/2018</a:t>
+              <a:t>01/02/2018</a:t>
             </a:fld>
             <a:endParaRPr lang="fr-FR"/>
           </a:p>
@@ -2616,7 +2616,7 @@
           <a:p>
             <a:fld id="{1F5DCE98-6469-4349-83BA-9C41D5BCF405}" type="datetimeFigureOut">
               <a:rPr lang="fr-FR" smtClean="0"/>
-              <a:t>30/01/2018</a:t>
+              <a:t>01/02/2018</a:t>
             </a:fld>
             <a:endParaRPr lang="fr-FR"/>
           </a:p>
@@ -2796,7 +2796,7 @@
           <a:p>
             <a:fld id="{1F5DCE98-6469-4349-83BA-9C41D5BCF405}" type="datetimeFigureOut">
               <a:rPr lang="fr-FR" smtClean="0"/>
-              <a:t>30/01/2018</a:t>
+              <a:t>01/02/2018</a:t>
             </a:fld>
             <a:endParaRPr lang="fr-FR"/>
           </a:p>
@@ -2966,7 +2966,7 @@
           <a:p>
             <a:fld id="{1F5DCE98-6469-4349-83BA-9C41D5BCF405}" type="datetimeFigureOut">
               <a:rPr lang="fr-FR" smtClean="0"/>
-              <a:t>30/01/2018</a:t>
+              <a:t>01/02/2018</a:t>
             </a:fld>
             <a:endParaRPr lang="fr-FR"/>
           </a:p>
@@ -3223,7 +3223,7 @@
           <a:p>
             <a:fld id="{1F5DCE98-6469-4349-83BA-9C41D5BCF405}" type="datetimeFigureOut">
               <a:rPr lang="fr-FR" smtClean="0"/>
-              <a:t>30/01/2018</a:t>
+              <a:t>01/02/2018</a:t>
             </a:fld>
             <a:endParaRPr lang="fr-FR"/>
           </a:p>
@@ -3515,7 +3515,7 @@
           <a:p>
             <a:fld id="{1F5DCE98-6469-4349-83BA-9C41D5BCF405}" type="datetimeFigureOut">
               <a:rPr lang="fr-FR" smtClean="0"/>
-              <a:t>30/01/2018</a:t>
+              <a:t>01/02/2018</a:t>
             </a:fld>
             <a:endParaRPr lang="fr-FR"/>
           </a:p>
@@ -3945,7 +3945,7 @@
           <a:p>
             <a:fld id="{1F5DCE98-6469-4349-83BA-9C41D5BCF405}" type="datetimeFigureOut">
               <a:rPr lang="fr-FR" smtClean="0"/>
-              <a:t>30/01/2018</a:t>
+              <a:t>01/02/2018</a:t>
             </a:fld>
             <a:endParaRPr lang="fr-FR"/>
           </a:p>
@@ -4063,7 +4063,7 @@
           <a:p>
             <a:fld id="{1F5DCE98-6469-4349-83BA-9C41D5BCF405}" type="datetimeFigureOut">
               <a:rPr lang="fr-FR" smtClean="0"/>
-              <a:t>30/01/2018</a:t>
+              <a:t>01/02/2018</a:t>
             </a:fld>
             <a:endParaRPr lang="fr-FR"/>
           </a:p>
@@ -4158,7 +4158,7 @@
           <a:p>
             <a:fld id="{1F5DCE98-6469-4349-83BA-9C41D5BCF405}" type="datetimeFigureOut">
               <a:rPr lang="fr-FR" smtClean="0"/>
-              <a:t>30/01/2018</a:t>
+              <a:t>01/02/2018</a:t>
             </a:fld>
             <a:endParaRPr lang="fr-FR"/>
           </a:p>
@@ -4441,7 +4441,7 @@
           <a:p>
             <a:fld id="{1F5DCE98-6469-4349-83BA-9C41D5BCF405}" type="datetimeFigureOut">
               <a:rPr lang="fr-FR" smtClean="0"/>
-              <a:t>30/01/2018</a:t>
+              <a:t>01/02/2018</a:t>
             </a:fld>
             <a:endParaRPr lang="fr-FR"/>
           </a:p>
@@ -4732,7 +4732,7 @@
           <a:p>
             <a:fld id="{1F5DCE98-6469-4349-83BA-9C41D5BCF405}" type="datetimeFigureOut">
               <a:rPr lang="fr-FR" smtClean="0"/>
-              <a:t>30/01/2018</a:t>
+              <a:t>01/02/2018</a:t>
             </a:fld>
             <a:endParaRPr lang="fr-FR"/>
           </a:p>
@@ -4963,7 +4963,7 @@
           <a:p>
             <a:fld id="{1F5DCE98-6469-4349-83BA-9C41D5BCF405}" type="datetimeFigureOut">
               <a:rPr lang="fr-FR" smtClean="0"/>
-              <a:t>30/01/2018</a:t>
+              <a:t>01/02/2018</a:t>
             </a:fld>
             <a:endParaRPr lang="fr-FR"/>
           </a:p>
@@ -6012,667 +6012,6 @@
           <p:cNvPr id="2" name="Titre 1">
             <a:extLst>
               <a:ext uri="{FF2B5EF4-FFF2-40B4-BE49-F238E27FC236}">
-                <a16:creationId xmlns:a16="http://schemas.microsoft.com/office/drawing/2014/main" id="{71F52973-9E34-4B64-BFE4-2E42711F3666}"/>
-              </a:ext>
-            </a:extLst>
-          </p:cNvPr>
-          <p:cNvSpPr>
-            <a:spLocks noGrp="1"/>
-          </p:cNvSpPr>
-          <p:nvPr>
-            <p:ph type="title"/>
-          </p:nvPr>
-        </p:nvSpPr>
-        <p:spPr/>
-        <p:txBody>
-          <a:bodyPr/>
-          <a:lstStyle/>
-          <a:p>
-            <a:r>
-              <a:rPr lang="fr-FR" dirty="0"/>
-              <a:t>Présentation de l'équipe</a:t>
-            </a:r>
-          </a:p>
-        </p:txBody>
-      </p:sp>
-      <p:sp>
-        <p:nvSpPr>
-          <p:cNvPr id="3" name="Espace réservé du contenu 2">
-            <a:extLst>
-              <a:ext uri="{FF2B5EF4-FFF2-40B4-BE49-F238E27FC236}">
-                <a16:creationId xmlns:a16="http://schemas.microsoft.com/office/drawing/2014/main" id="{A0F461CD-3EAF-4801-A1FE-4753263CAA8E}"/>
-              </a:ext>
-            </a:extLst>
-          </p:cNvPr>
-          <p:cNvSpPr>
-            <a:spLocks noGrp="1"/>
-          </p:cNvSpPr>
-          <p:nvPr>
-            <p:ph idx="1"/>
-          </p:nvPr>
-        </p:nvSpPr>
-        <p:spPr>
-          <a:xfrm>
-            <a:off x="1141413" y="2901818"/>
-            <a:ext cx="3859795" cy="2281333"/>
-          </a:xfrm>
-        </p:spPr>
-        <p:txBody>
-          <a:bodyPr>
-            <a:normAutofit/>
-          </a:bodyPr>
-          <a:lstStyle/>
-          <a:p>
-            <a:r>
-              <a:rPr lang="fr-FR" b="1" dirty="0">
-                <a:solidFill>
-                  <a:srgbClr val="66FF66"/>
-                </a:solidFill>
-              </a:rPr>
-              <a:t>Alan Carrer</a:t>
-            </a:r>
-          </a:p>
-          <a:p>
-            <a:pPr marL="0" indent="0">
-              <a:buNone/>
-            </a:pPr>
-            <a:r>
-              <a:rPr lang="fr-FR" dirty="0"/>
-              <a:t>Développement de l’application</a:t>
-            </a:r>
-          </a:p>
-          <a:p>
-            <a:pPr marL="0" indent="0">
-              <a:buNone/>
-            </a:pPr>
-            <a:endParaRPr lang="fr-FR" dirty="0"/>
-          </a:p>
-          <a:p>
-            <a:r>
-              <a:rPr lang="fr-FR" dirty="0"/>
-              <a:t>Arnaud Jullien</a:t>
-            </a:r>
-          </a:p>
-          <a:p>
-            <a:pPr marL="0" indent="0">
-              <a:buNone/>
-            </a:pPr>
-            <a:r>
-              <a:rPr lang="fr-FR" dirty="0"/>
-              <a:t>Système embarqué</a:t>
-            </a:r>
-          </a:p>
-        </p:txBody>
-      </p:sp>
-      <p:sp>
-        <p:nvSpPr>
-          <p:cNvPr id="5" name="Espace réservé du contenu 2">
-            <a:extLst>
-              <a:ext uri="{FF2B5EF4-FFF2-40B4-BE49-F238E27FC236}">
-                <a16:creationId xmlns:a16="http://schemas.microsoft.com/office/drawing/2014/main" id="{C903D92A-DE92-47E2-9703-E22478B49B30}"/>
-              </a:ext>
-            </a:extLst>
-          </p:cNvPr>
-          <p:cNvSpPr txBox="1">
-            <a:spLocks/>
-          </p:cNvSpPr>
-          <p:nvPr/>
-        </p:nvSpPr>
-        <p:spPr>
-          <a:xfrm>
-            <a:off x="7467569" y="2901819"/>
-            <a:ext cx="3402595" cy="2281333"/>
-          </a:xfrm>
-          <a:prstGeom prst="rect">
-            <a:avLst/>
-          </a:prstGeom>
-        </p:spPr>
-        <p:txBody>
-          <a:bodyPr vert="horz" lIns="91440" tIns="45720" rIns="91440" bIns="45720" rtlCol="0" anchor="ctr">
-            <a:normAutofit/>
-          </a:bodyPr>
-          <a:lstStyle>
-            <a:lvl1pPr marL="285750" indent="-285750" algn="l" defTabSz="457200" rtl="0" eaLnBrk="1" latinLnBrk="0" hangingPunct="1">
-              <a:spcBef>
-                <a:spcPct val="20000"/>
-              </a:spcBef>
-              <a:spcAft>
-                <a:spcPts val="600"/>
-              </a:spcAft>
-              <a:buClr>
-                <a:schemeClr val="tx1"/>
-              </a:buClr>
-              <a:buSzPct val="100000"/>
-              <a:buFont typeface="Arial"/>
-              <a:buChar char="•"/>
-              <a:defRPr sz="2000" kern="1200" cap="small">
-                <a:gradFill flip="none" rotWithShape="1">
-                  <a:gsLst>
-                    <a:gs pos="0">
-                      <a:schemeClr val="tx1"/>
-                    </a:gs>
-                    <a:gs pos="100000">
-                      <a:schemeClr val="tx1">
-                        <a:lumMod val="75000"/>
-                      </a:schemeClr>
-                    </a:gs>
-                  </a:gsLst>
-                  <a:lin ang="5580000" scaled="0"/>
-                  <a:tileRect/>
-                </a:gradFill>
-                <a:effectLst>
-                  <a:glow rad="38100">
-                    <a:schemeClr val="bg1">
-                      <a:lumMod val="50000"/>
-                      <a:lumOff val="50000"/>
-                      <a:alpha val="20000"/>
-                    </a:schemeClr>
-                  </a:glow>
-                  <a:outerShdw blurRad="44450" dist="12700" dir="13860000" algn="tl" rotWithShape="0">
-                    <a:srgbClr val="000000">
-                      <a:alpha val="20000"/>
-                    </a:srgbClr>
-                  </a:outerShdw>
-                </a:effectLst>
-                <a:latin typeface="+mn-lt"/>
-                <a:ea typeface="+mn-ea"/>
-                <a:cs typeface="+mn-cs"/>
-              </a:defRPr>
-            </a:lvl1pPr>
-            <a:lvl2pPr marL="742950" indent="-285750" algn="l" defTabSz="457200" rtl="0" eaLnBrk="1" latinLnBrk="0" hangingPunct="1">
-              <a:spcBef>
-                <a:spcPct val="20000"/>
-              </a:spcBef>
-              <a:spcAft>
-                <a:spcPts val="600"/>
-              </a:spcAft>
-              <a:buClr>
-                <a:schemeClr val="tx1"/>
-              </a:buClr>
-              <a:buSzPct val="100000"/>
-              <a:buFont typeface="Arial"/>
-              <a:buChar char="•"/>
-              <a:defRPr sz="1800" kern="1200" cap="small">
-                <a:gradFill flip="none" rotWithShape="1">
-                  <a:gsLst>
-                    <a:gs pos="0">
-                      <a:schemeClr val="tx1"/>
-                    </a:gs>
-                    <a:gs pos="100000">
-                      <a:schemeClr val="tx1">
-                        <a:lumMod val="75000"/>
-                      </a:schemeClr>
-                    </a:gs>
-                  </a:gsLst>
-                  <a:lin ang="5580000" scaled="0"/>
-                  <a:tileRect/>
-                </a:gradFill>
-                <a:effectLst>
-                  <a:glow rad="38100">
-                    <a:schemeClr val="bg1">
-                      <a:lumMod val="50000"/>
-                      <a:lumOff val="50000"/>
-                      <a:alpha val="20000"/>
-                    </a:schemeClr>
-                  </a:glow>
-                  <a:outerShdw blurRad="44450" dist="12700" dir="13860000" algn="tl" rotWithShape="0">
-                    <a:srgbClr val="000000">
-                      <a:alpha val="20000"/>
-                    </a:srgbClr>
-                  </a:outerShdw>
-                </a:effectLst>
-                <a:latin typeface="+mn-lt"/>
-                <a:ea typeface="+mn-ea"/>
-                <a:cs typeface="+mn-cs"/>
-              </a:defRPr>
-            </a:lvl2pPr>
-            <a:lvl3pPr marL="1200150" indent="-285750" algn="l" defTabSz="457200" rtl="0" eaLnBrk="1" latinLnBrk="0" hangingPunct="1">
-              <a:spcBef>
-                <a:spcPct val="20000"/>
-              </a:spcBef>
-              <a:spcAft>
-                <a:spcPts val="600"/>
-              </a:spcAft>
-              <a:buClr>
-                <a:schemeClr val="tx1"/>
-              </a:buClr>
-              <a:buSzPct val="100000"/>
-              <a:buFont typeface="Arial"/>
-              <a:buChar char="•"/>
-              <a:defRPr sz="1600" kern="1200" cap="small">
-                <a:gradFill flip="none" rotWithShape="1">
-                  <a:gsLst>
-                    <a:gs pos="0">
-                      <a:schemeClr val="tx1"/>
-                    </a:gs>
-                    <a:gs pos="100000">
-                      <a:schemeClr val="tx1">
-                        <a:lumMod val="75000"/>
-                      </a:schemeClr>
-                    </a:gs>
-                  </a:gsLst>
-                  <a:lin ang="5580000" scaled="0"/>
-                  <a:tileRect/>
-                </a:gradFill>
-                <a:effectLst>
-                  <a:glow rad="38100">
-                    <a:schemeClr val="bg1">
-                      <a:lumMod val="50000"/>
-                      <a:lumOff val="50000"/>
-                      <a:alpha val="20000"/>
-                    </a:schemeClr>
-                  </a:glow>
-                  <a:outerShdw blurRad="44450" dist="12700" dir="13860000" algn="tl" rotWithShape="0">
-                    <a:srgbClr val="000000">
-                      <a:alpha val="20000"/>
-                    </a:srgbClr>
-                  </a:outerShdw>
-                </a:effectLst>
-                <a:latin typeface="+mn-lt"/>
-                <a:ea typeface="+mn-ea"/>
-                <a:cs typeface="+mn-cs"/>
-              </a:defRPr>
-            </a:lvl3pPr>
-            <a:lvl4pPr marL="1543050" indent="-171450" algn="l" defTabSz="457200" rtl="0" eaLnBrk="1" latinLnBrk="0" hangingPunct="1">
-              <a:spcBef>
-                <a:spcPct val="20000"/>
-              </a:spcBef>
-              <a:spcAft>
-                <a:spcPts val="600"/>
-              </a:spcAft>
-              <a:buClr>
-                <a:schemeClr val="tx1"/>
-              </a:buClr>
-              <a:buSzPct val="100000"/>
-              <a:buFont typeface="Arial"/>
-              <a:buChar char="•"/>
-              <a:defRPr sz="1400" kern="1200" cap="small">
-                <a:gradFill flip="none" rotWithShape="1">
-                  <a:gsLst>
-                    <a:gs pos="0">
-                      <a:schemeClr val="tx1"/>
-                    </a:gs>
-                    <a:gs pos="100000">
-                      <a:schemeClr val="tx1">
-                        <a:lumMod val="75000"/>
-                      </a:schemeClr>
-                    </a:gs>
-                  </a:gsLst>
-                  <a:lin ang="5580000" scaled="0"/>
-                  <a:tileRect/>
-                </a:gradFill>
-                <a:effectLst>
-                  <a:glow rad="38100">
-                    <a:schemeClr val="bg1">
-                      <a:lumMod val="50000"/>
-                      <a:lumOff val="50000"/>
-                      <a:alpha val="20000"/>
-                    </a:schemeClr>
-                  </a:glow>
-                  <a:outerShdw blurRad="44450" dist="12700" dir="13860000" algn="tl" rotWithShape="0">
-                    <a:srgbClr val="000000">
-                      <a:alpha val="20000"/>
-                    </a:srgbClr>
-                  </a:outerShdw>
-                </a:effectLst>
-                <a:latin typeface="+mn-lt"/>
-                <a:ea typeface="+mn-ea"/>
-                <a:cs typeface="+mn-cs"/>
-              </a:defRPr>
-            </a:lvl4pPr>
-            <a:lvl5pPr marL="2000250" indent="-171450" algn="l" defTabSz="457200" rtl="0" eaLnBrk="1" latinLnBrk="0" hangingPunct="1">
-              <a:spcBef>
-                <a:spcPct val="20000"/>
-              </a:spcBef>
-              <a:spcAft>
-                <a:spcPts val="600"/>
-              </a:spcAft>
-              <a:buClr>
-                <a:schemeClr val="tx1"/>
-              </a:buClr>
-              <a:buSzPct val="100000"/>
-              <a:buFont typeface="Arial"/>
-              <a:buChar char="•"/>
-              <a:defRPr sz="1400" kern="1200" cap="small">
-                <a:gradFill flip="none" rotWithShape="1">
-                  <a:gsLst>
-                    <a:gs pos="0">
-                      <a:schemeClr val="tx1"/>
-                    </a:gs>
-                    <a:gs pos="100000">
-                      <a:schemeClr val="tx1">
-                        <a:lumMod val="75000"/>
-                      </a:schemeClr>
-                    </a:gs>
-                  </a:gsLst>
-                  <a:lin ang="5580000" scaled="0"/>
-                  <a:tileRect/>
-                </a:gradFill>
-                <a:effectLst>
-                  <a:glow rad="38100">
-                    <a:schemeClr val="bg1">
-                      <a:lumMod val="50000"/>
-                      <a:lumOff val="50000"/>
-                      <a:alpha val="20000"/>
-                    </a:schemeClr>
-                  </a:glow>
-                  <a:outerShdw blurRad="44450" dist="12700" dir="13860000" algn="tl" rotWithShape="0">
-                    <a:srgbClr val="000000">
-                      <a:alpha val="20000"/>
-                    </a:srgbClr>
-                  </a:outerShdw>
-                </a:effectLst>
-                <a:latin typeface="+mn-lt"/>
-                <a:ea typeface="+mn-ea"/>
-                <a:cs typeface="+mn-cs"/>
-              </a:defRPr>
-            </a:lvl5pPr>
-            <a:lvl6pPr marL="2514600" indent="-228600" algn="l" defTabSz="457200" rtl="0" eaLnBrk="1" latinLnBrk="0" hangingPunct="1">
-              <a:spcBef>
-                <a:spcPct val="20000"/>
-              </a:spcBef>
-              <a:spcAft>
-                <a:spcPts val="600"/>
-              </a:spcAft>
-              <a:buClr>
-                <a:schemeClr val="tx1"/>
-              </a:buClr>
-              <a:buSzPct val="100000"/>
-              <a:buFont typeface="Arial"/>
-              <a:buChar char="•"/>
-              <a:defRPr sz="1200" kern="1200" cap="small">
-                <a:gradFill flip="none" rotWithShape="1">
-                  <a:gsLst>
-                    <a:gs pos="0">
-                      <a:schemeClr val="tx1"/>
-                    </a:gs>
-                    <a:gs pos="100000">
-                      <a:schemeClr val="tx1">
-                        <a:lumMod val="75000"/>
-                      </a:schemeClr>
-                    </a:gs>
-                  </a:gsLst>
-                  <a:lin ang="5580000" scaled="0"/>
-                  <a:tileRect/>
-                </a:gradFill>
-                <a:effectLst>
-                  <a:glow rad="38100">
-                    <a:schemeClr val="bg1">
-                      <a:lumMod val="50000"/>
-                      <a:lumOff val="50000"/>
-                      <a:alpha val="20000"/>
-                    </a:schemeClr>
-                  </a:glow>
-                  <a:outerShdw blurRad="44450" dist="12700" dir="13860000" algn="tl" rotWithShape="0">
-                    <a:srgbClr val="000000">
-                      <a:alpha val="20000"/>
-                    </a:srgbClr>
-                  </a:outerShdw>
-                </a:effectLst>
-                <a:latin typeface="+mn-lt"/>
-                <a:ea typeface="+mn-ea"/>
-                <a:cs typeface="+mn-cs"/>
-              </a:defRPr>
-            </a:lvl6pPr>
-            <a:lvl7pPr marL="2971800" indent="-228600" algn="l" defTabSz="457200" rtl="0" eaLnBrk="1" latinLnBrk="0" hangingPunct="1">
-              <a:spcBef>
-                <a:spcPct val="20000"/>
-              </a:spcBef>
-              <a:spcAft>
-                <a:spcPts val="600"/>
-              </a:spcAft>
-              <a:buClr>
-                <a:schemeClr val="tx1"/>
-              </a:buClr>
-              <a:buSzPct val="100000"/>
-              <a:buFont typeface="Arial"/>
-              <a:buChar char="•"/>
-              <a:defRPr sz="1200" kern="1200" cap="small">
-                <a:gradFill flip="none" rotWithShape="1">
-                  <a:gsLst>
-                    <a:gs pos="0">
-                      <a:schemeClr val="tx1"/>
-                    </a:gs>
-                    <a:gs pos="100000">
-                      <a:schemeClr val="tx1">
-                        <a:lumMod val="75000"/>
-                      </a:schemeClr>
-                    </a:gs>
-                  </a:gsLst>
-                  <a:lin ang="5580000" scaled="0"/>
-                  <a:tileRect/>
-                </a:gradFill>
-                <a:effectLst>
-                  <a:glow rad="38100">
-                    <a:schemeClr val="bg1">
-                      <a:lumMod val="50000"/>
-                      <a:lumOff val="50000"/>
-                      <a:alpha val="20000"/>
-                    </a:schemeClr>
-                  </a:glow>
-                  <a:outerShdw blurRad="44450" dist="12700" dir="13860000" algn="tl" rotWithShape="0">
-                    <a:srgbClr val="000000">
-                      <a:alpha val="20000"/>
-                    </a:srgbClr>
-                  </a:outerShdw>
-                </a:effectLst>
-                <a:latin typeface="+mn-lt"/>
-                <a:ea typeface="+mn-ea"/>
-                <a:cs typeface="+mn-cs"/>
-              </a:defRPr>
-            </a:lvl7pPr>
-            <a:lvl8pPr marL="3429000" indent="-228600" algn="l" defTabSz="457200" rtl="0" eaLnBrk="1" latinLnBrk="0" hangingPunct="1">
-              <a:spcBef>
-                <a:spcPct val="20000"/>
-              </a:spcBef>
-              <a:spcAft>
-                <a:spcPts val="600"/>
-              </a:spcAft>
-              <a:buClr>
-                <a:schemeClr val="tx1"/>
-              </a:buClr>
-              <a:buSzPct val="100000"/>
-              <a:buFont typeface="Arial"/>
-              <a:buChar char="•"/>
-              <a:defRPr sz="1200" kern="1200" cap="small">
-                <a:gradFill flip="none" rotWithShape="1">
-                  <a:gsLst>
-                    <a:gs pos="0">
-                      <a:schemeClr val="tx1"/>
-                    </a:gs>
-                    <a:gs pos="100000">
-                      <a:schemeClr val="tx1">
-                        <a:lumMod val="75000"/>
-                      </a:schemeClr>
-                    </a:gs>
-                  </a:gsLst>
-                  <a:lin ang="5580000" scaled="0"/>
-                  <a:tileRect/>
-                </a:gradFill>
-                <a:effectLst>
-                  <a:glow rad="38100">
-                    <a:schemeClr val="bg1">
-                      <a:lumMod val="50000"/>
-                      <a:lumOff val="50000"/>
-                      <a:alpha val="20000"/>
-                    </a:schemeClr>
-                  </a:glow>
-                  <a:outerShdw blurRad="44450" dist="12700" dir="13860000" algn="tl" rotWithShape="0">
-                    <a:srgbClr val="000000">
-                      <a:alpha val="20000"/>
-                    </a:srgbClr>
-                  </a:outerShdw>
-                </a:effectLst>
-                <a:latin typeface="+mn-lt"/>
-                <a:ea typeface="+mn-ea"/>
-                <a:cs typeface="+mn-cs"/>
-              </a:defRPr>
-            </a:lvl8pPr>
-            <a:lvl9pPr marL="3886200" indent="-228600" algn="l" defTabSz="457200" rtl="0" eaLnBrk="1" latinLnBrk="0" hangingPunct="1">
-              <a:spcBef>
-                <a:spcPct val="20000"/>
-              </a:spcBef>
-              <a:spcAft>
-                <a:spcPts val="600"/>
-              </a:spcAft>
-              <a:buClr>
-                <a:schemeClr val="tx1"/>
-              </a:buClr>
-              <a:buSzPct val="100000"/>
-              <a:buFont typeface="Arial"/>
-              <a:buChar char="•"/>
-              <a:defRPr sz="1200" kern="1200" cap="small">
-                <a:gradFill flip="none" rotWithShape="1">
-                  <a:gsLst>
-                    <a:gs pos="0">
-                      <a:schemeClr val="tx1"/>
-                    </a:gs>
-                    <a:gs pos="100000">
-                      <a:schemeClr val="tx1">
-                        <a:lumMod val="75000"/>
-                      </a:schemeClr>
-                    </a:gs>
-                  </a:gsLst>
-                  <a:lin ang="5580000" scaled="0"/>
-                  <a:tileRect/>
-                </a:gradFill>
-                <a:effectLst>
-                  <a:glow rad="38100">
-                    <a:schemeClr val="bg1">
-                      <a:lumMod val="50000"/>
-                      <a:lumOff val="50000"/>
-                      <a:alpha val="20000"/>
-                    </a:schemeClr>
-                  </a:glow>
-                  <a:outerShdw blurRad="44450" dist="12700" dir="13860000" algn="tl" rotWithShape="0">
-                    <a:srgbClr val="000000">
-                      <a:alpha val="20000"/>
-                    </a:srgbClr>
-                  </a:outerShdw>
-                </a:effectLst>
-                <a:latin typeface="+mn-lt"/>
-                <a:ea typeface="+mn-ea"/>
-                <a:cs typeface="+mn-cs"/>
-              </a:defRPr>
-            </a:lvl9pPr>
-          </a:lstStyle>
-          <a:p>
-            <a:r>
-              <a:rPr lang="fr-FR" dirty="0"/>
-              <a:t>Manon Morille</a:t>
-            </a:r>
-          </a:p>
-          <a:p>
-            <a:pPr marL="0" indent="0">
-              <a:buFont typeface="Arial"/>
-              <a:buNone/>
-            </a:pPr>
-            <a:r>
-              <a:rPr lang="fr-FR" dirty="0"/>
-              <a:t>Développement du site web</a:t>
-            </a:r>
-          </a:p>
-          <a:p>
-            <a:pPr marL="0" indent="0">
-              <a:buFont typeface="Arial"/>
-              <a:buNone/>
-            </a:pPr>
-            <a:endParaRPr lang="fr-FR" dirty="0"/>
-          </a:p>
-          <a:p>
-            <a:r>
-              <a:rPr lang="fr-FR" dirty="0"/>
-              <a:t>Kilian </a:t>
-            </a:r>
-            <a:r>
-              <a:rPr lang="fr-FR" dirty="0" err="1"/>
-              <a:t>Labattut</a:t>
-            </a:r>
-            <a:endParaRPr lang="fr-FR" dirty="0"/>
-          </a:p>
-          <a:p>
-            <a:pPr marL="0" indent="0">
-              <a:buFont typeface="Arial"/>
-              <a:buNone/>
-            </a:pPr>
-            <a:r>
-              <a:rPr lang="fr-FR" dirty="0"/>
-              <a:t>Mise en place des capteurs</a:t>
-            </a:r>
-          </a:p>
-        </p:txBody>
-      </p:sp>
-      <p:pic>
-        <p:nvPicPr>
-          <p:cNvPr id="6" name="Image 5">
-            <a:extLst>
-              <a:ext uri="{FF2B5EF4-FFF2-40B4-BE49-F238E27FC236}">
-                <a16:creationId xmlns:a16="http://schemas.microsoft.com/office/drawing/2014/main" id="{F03CEA8B-2056-4FED-A6A0-20A9EFF96191}"/>
-              </a:ext>
-            </a:extLst>
-          </p:cNvPr>
-          <p:cNvPicPr>
-            <a:picLocks noChangeAspect="1"/>
-          </p:cNvPicPr>
-          <p:nvPr/>
-        </p:nvPicPr>
-        <p:blipFill>
-          <a:blip r:embed="rId2">
-            <a:extLst>
-              <a:ext uri="{28A0092B-C50C-407E-A947-70E740481C1C}">
-                <a14:useLocalDpi xmlns:a14="http://schemas.microsoft.com/office/drawing/2010/main" val="0"/>
-              </a:ext>
-            </a:extLst>
-          </a:blip>
-          <a:stretch>
-            <a:fillRect/>
-          </a:stretch>
-        </p:blipFill>
-        <p:spPr>
-          <a:xfrm>
-            <a:off x="9866489" y="6122696"/>
-            <a:ext cx="2325511" cy="735304"/>
-          </a:xfrm>
-          <a:prstGeom prst="rect">
-            <a:avLst/>
-          </a:prstGeom>
-        </p:spPr>
-      </p:pic>
-    </p:spTree>
-    <p:extLst>
-      <p:ext uri="{BB962C8B-B14F-4D97-AF65-F5344CB8AC3E}">
-        <p14:creationId xmlns:p14="http://schemas.microsoft.com/office/powerpoint/2010/main" val="4032526889"/>
-      </p:ext>
-    </p:extLst>
-  </p:cSld>
-  <p:clrMapOvr>
-    <a:masterClrMapping/>
-  </p:clrMapOvr>
-</p:sld>
-</file>
-
-<file path=ppt/slides/slide3.xml><?xml version="1.0" encoding="utf-8"?>
-<p:sld xmlns:a="http://schemas.openxmlformats.org/drawingml/2006/main" xmlns:r="http://schemas.openxmlformats.org/officeDocument/2006/relationships" xmlns:p="http://schemas.openxmlformats.org/presentationml/2006/main">
-  <p:cSld>
-    <p:spTree>
-      <p:nvGrpSpPr>
-        <p:cNvPr id="1" name=""/>
-        <p:cNvGrpSpPr/>
-        <p:nvPr/>
-      </p:nvGrpSpPr>
-      <p:grpSpPr>
-        <a:xfrm>
-          <a:off x="0" y="0"/>
-          <a:ext cx="0" cy="0"/>
-          <a:chOff x="0" y="0"/>
-          <a:chExt cx="0" cy="0"/>
-        </a:xfrm>
-      </p:grpSpPr>
-      <p:sp>
-        <p:nvSpPr>
-          <p:cNvPr id="2" name="Titre 1">
-            <a:extLst>
-              <a:ext uri="{FF2B5EF4-FFF2-40B4-BE49-F238E27FC236}">
                 <a16:creationId xmlns:a16="http://schemas.microsoft.com/office/drawing/2014/main" id="{98C08574-A24D-43A7-8128-4E99DCE46F1C}"/>
               </a:ext>
             </a:extLst>
@@ -6728,7 +6067,7 @@
           <a:p>
             <a:r>
               <a:rPr lang="fr-FR" dirty="0"/>
-              <a:t>Stocker des information et les consulter plus tard (web)</a:t>
+              <a:t>Stocker des relevés et les consulter plus tard (web)</a:t>
             </a:r>
           </a:p>
           <a:p>
@@ -6878,6 +6217,667 @@
 </p:sld>
 </file>
 
+<file path=ppt/slides/slide3.xml><?xml version="1.0" encoding="utf-8"?>
+<p:sld xmlns:a="http://schemas.openxmlformats.org/drawingml/2006/main" xmlns:r="http://schemas.openxmlformats.org/officeDocument/2006/relationships" xmlns:p="http://schemas.openxmlformats.org/presentationml/2006/main">
+  <p:cSld>
+    <p:spTree>
+      <p:nvGrpSpPr>
+        <p:cNvPr id="1" name=""/>
+        <p:cNvGrpSpPr/>
+        <p:nvPr/>
+      </p:nvGrpSpPr>
+      <p:grpSpPr>
+        <a:xfrm>
+          <a:off x="0" y="0"/>
+          <a:ext cx="0" cy="0"/>
+          <a:chOff x="0" y="0"/>
+          <a:chExt cx="0" cy="0"/>
+        </a:xfrm>
+      </p:grpSpPr>
+      <p:sp>
+        <p:nvSpPr>
+          <p:cNvPr id="2" name="Titre 1">
+            <a:extLst>
+              <a:ext uri="{FF2B5EF4-FFF2-40B4-BE49-F238E27FC236}">
+                <a16:creationId xmlns:a16="http://schemas.microsoft.com/office/drawing/2014/main" id="{71F52973-9E34-4B64-BFE4-2E42711F3666}"/>
+              </a:ext>
+            </a:extLst>
+          </p:cNvPr>
+          <p:cNvSpPr>
+            <a:spLocks noGrp="1"/>
+          </p:cNvSpPr>
+          <p:nvPr>
+            <p:ph type="title"/>
+          </p:nvPr>
+        </p:nvSpPr>
+        <p:spPr/>
+        <p:txBody>
+          <a:bodyPr/>
+          <a:lstStyle/>
+          <a:p>
+            <a:r>
+              <a:rPr lang="fr-FR" dirty="0"/>
+              <a:t>Présentation de l'équipe</a:t>
+            </a:r>
+          </a:p>
+        </p:txBody>
+      </p:sp>
+      <p:sp>
+        <p:nvSpPr>
+          <p:cNvPr id="3" name="Espace réservé du contenu 2">
+            <a:extLst>
+              <a:ext uri="{FF2B5EF4-FFF2-40B4-BE49-F238E27FC236}">
+                <a16:creationId xmlns:a16="http://schemas.microsoft.com/office/drawing/2014/main" id="{A0F461CD-3EAF-4801-A1FE-4753263CAA8E}"/>
+              </a:ext>
+            </a:extLst>
+          </p:cNvPr>
+          <p:cNvSpPr>
+            <a:spLocks noGrp="1"/>
+          </p:cNvSpPr>
+          <p:nvPr>
+            <p:ph idx="1"/>
+          </p:nvPr>
+        </p:nvSpPr>
+        <p:spPr>
+          <a:xfrm>
+            <a:off x="1141413" y="2797588"/>
+            <a:ext cx="3859795" cy="2520360"/>
+          </a:xfrm>
+        </p:spPr>
+        <p:txBody>
+          <a:bodyPr>
+            <a:normAutofit/>
+          </a:bodyPr>
+          <a:lstStyle/>
+          <a:p>
+            <a:r>
+              <a:rPr lang="fr-FR" b="1" dirty="0">
+                <a:solidFill>
+                  <a:srgbClr val="66FF66"/>
+                </a:solidFill>
+              </a:rPr>
+              <a:t>Alan Carrer</a:t>
+            </a:r>
+          </a:p>
+          <a:p>
+            <a:pPr marL="0" indent="0">
+              <a:buNone/>
+            </a:pPr>
+            <a:r>
+              <a:rPr lang="fr-FR" dirty="0"/>
+              <a:t>Développement de l’application</a:t>
+            </a:r>
+          </a:p>
+          <a:p>
+            <a:pPr marL="0" indent="0">
+              <a:buNone/>
+            </a:pPr>
+            <a:endParaRPr lang="fr-FR" dirty="0"/>
+          </a:p>
+          <a:p>
+            <a:r>
+              <a:rPr lang="fr-FR" dirty="0"/>
+              <a:t>Arnaud Jullien</a:t>
+            </a:r>
+          </a:p>
+          <a:p>
+            <a:pPr marL="0" indent="0">
+              <a:buNone/>
+            </a:pPr>
+            <a:r>
+              <a:rPr lang="fr-FR" dirty="0"/>
+              <a:t>Système embarqué / Base de données</a:t>
+            </a:r>
+          </a:p>
+        </p:txBody>
+      </p:sp>
+      <p:sp>
+        <p:nvSpPr>
+          <p:cNvPr id="5" name="Espace réservé du contenu 2">
+            <a:extLst>
+              <a:ext uri="{FF2B5EF4-FFF2-40B4-BE49-F238E27FC236}">
+                <a16:creationId xmlns:a16="http://schemas.microsoft.com/office/drawing/2014/main" id="{C903D92A-DE92-47E2-9703-E22478B49B30}"/>
+              </a:ext>
+            </a:extLst>
+          </p:cNvPr>
+          <p:cNvSpPr txBox="1">
+            <a:spLocks/>
+          </p:cNvSpPr>
+          <p:nvPr/>
+        </p:nvSpPr>
+        <p:spPr>
+          <a:xfrm>
+            <a:off x="7308178" y="2797588"/>
+            <a:ext cx="3402595" cy="2805481"/>
+          </a:xfrm>
+          <a:prstGeom prst="rect">
+            <a:avLst/>
+          </a:prstGeom>
+        </p:spPr>
+        <p:txBody>
+          <a:bodyPr vert="horz" lIns="91440" tIns="45720" rIns="91440" bIns="45720" rtlCol="0" anchor="ctr">
+            <a:normAutofit/>
+          </a:bodyPr>
+          <a:lstStyle>
+            <a:lvl1pPr marL="285750" indent="-285750" algn="l" defTabSz="457200" rtl="0" eaLnBrk="1" latinLnBrk="0" hangingPunct="1">
+              <a:spcBef>
+                <a:spcPct val="20000"/>
+              </a:spcBef>
+              <a:spcAft>
+                <a:spcPts val="600"/>
+              </a:spcAft>
+              <a:buClr>
+                <a:schemeClr val="tx1"/>
+              </a:buClr>
+              <a:buSzPct val="100000"/>
+              <a:buFont typeface="Arial"/>
+              <a:buChar char="•"/>
+              <a:defRPr sz="2000" kern="1200" cap="small">
+                <a:gradFill flip="none" rotWithShape="1">
+                  <a:gsLst>
+                    <a:gs pos="0">
+                      <a:schemeClr val="tx1"/>
+                    </a:gs>
+                    <a:gs pos="100000">
+                      <a:schemeClr val="tx1">
+                        <a:lumMod val="75000"/>
+                      </a:schemeClr>
+                    </a:gs>
+                  </a:gsLst>
+                  <a:lin ang="5580000" scaled="0"/>
+                  <a:tileRect/>
+                </a:gradFill>
+                <a:effectLst>
+                  <a:glow rad="38100">
+                    <a:schemeClr val="bg1">
+                      <a:lumMod val="50000"/>
+                      <a:lumOff val="50000"/>
+                      <a:alpha val="20000"/>
+                    </a:schemeClr>
+                  </a:glow>
+                  <a:outerShdw blurRad="44450" dist="12700" dir="13860000" algn="tl" rotWithShape="0">
+                    <a:srgbClr val="000000">
+                      <a:alpha val="20000"/>
+                    </a:srgbClr>
+                  </a:outerShdw>
+                </a:effectLst>
+                <a:latin typeface="+mn-lt"/>
+                <a:ea typeface="+mn-ea"/>
+                <a:cs typeface="+mn-cs"/>
+              </a:defRPr>
+            </a:lvl1pPr>
+            <a:lvl2pPr marL="742950" indent="-285750" algn="l" defTabSz="457200" rtl="0" eaLnBrk="1" latinLnBrk="0" hangingPunct="1">
+              <a:spcBef>
+                <a:spcPct val="20000"/>
+              </a:spcBef>
+              <a:spcAft>
+                <a:spcPts val="600"/>
+              </a:spcAft>
+              <a:buClr>
+                <a:schemeClr val="tx1"/>
+              </a:buClr>
+              <a:buSzPct val="100000"/>
+              <a:buFont typeface="Arial"/>
+              <a:buChar char="•"/>
+              <a:defRPr sz="1800" kern="1200" cap="small">
+                <a:gradFill flip="none" rotWithShape="1">
+                  <a:gsLst>
+                    <a:gs pos="0">
+                      <a:schemeClr val="tx1"/>
+                    </a:gs>
+                    <a:gs pos="100000">
+                      <a:schemeClr val="tx1">
+                        <a:lumMod val="75000"/>
+                      </a:schemeClr>
+                    </a:gs>
+                  </a:gsLst>
+                  <a:lin ang="5580000" scaled="0"/>
+                  <a:tileRect/>
+                </a:gradFill>
+                <a:effectLst>
+                  <a:glow rad="38100">
+                    <a:schemeClr val="bg1">
+                      <a:lumMod val="50000"/>
+                      <a:lumOff val="50000"/>
+                      <a:alpha val="20000"/>
+                    </a:schemeClr>
+                  </a:glow>
+                  <a:outerShdw blurRad="44450" dist="12700" dir="13860000" algn="tl" rotWithShape="0">
+                    <a:srgbClr val="000000">
+                      <a:alpha val="20000"/>
+                    </a:srgbClr>
+                  </a:outerShdw>
+                </a:effectLst>
+                <a:latin typeface="+mn-lt"/>
+                <a:ea typeface="+mn-ea"/>
+                <a:cs typeface="+mn-cs"/>
+              </a:defRPr>
+            </a:lvl2pPr>
+            <a:lvl3pPr marL="1200150" indent="-285750" algn="l" defTabSz="457200" rtl="0" eaLnBrk="1" latinLnBrk="0" hangingPunct="1">
+              <a:spcBef>
+                <a:spcPct val="20000"/>
+              </a:spcBef>
+              <a:spcAft>
+                <a:spcPts val="600"/>
+              </a:spcAft>
+              <a:buClr>
+                <a:schemeClr val="tx1"/>
+              </a:buClr>
+              <a:buSzPct val="100000"/>
+              <a:buFont typeface="Arial"/>
+              <a:buChar char="•"/>
+              <a:defRPr sz="1600" kern="1200" cap="small">
+                <a:gradFill flip="none" rotWithShape="1">
+                  <a:gsLst>
+                    <a:gs pos="0">
+                      <a:schemeClr val="tx1"/>
+                    </a:gs>
+                    <a:gs pos="100000">
+                      <a:schemeClr val="tx1">
+                        <a:lumMod val="75000"/>
+                      </a:schemeClr>
+                    </a:gs>
+                  </a:gsLst>
+                  <a:lin ang="5580000" scaled="0"/>
+                  <a:tileRect/>
+                </a:gradFill>
+                <a:effectLst>
+                  <a:glow rad="38100">
+                    <a:schemeClr val="bg1">
+                      <a:lumMod val="50000"/>
+                      <a:lumOff val="50000"/>
+                      <a:alpha val="20000"/>
+                    </a:schemeClr>
+                  </a:glow>
+                  <a:outerShdw blurRad="44450" dist="12700" dir="13860000" algn="tl" rotWithShape="0">
+                    <a:srgbClr val="000000">
+                      <a:alpha val="20000"/>
+                    </a:srgbClr>
+                  </a:outerShdw>
+                </a:effectLst>
+                <a:latin typeface="+mn-lt"/>
+                <a:ea typeface="+mn-ea"/>
+                <a:cs typeface="+mn-cs"/>
+              </a:defRPr>
+            </a:lvl3pPr>
+            <a:lvl4pPr marL="1543050" indent="-171450" algn="l" defTabSz="457200" rtl="0" eaLnBrk="1" latinLnBrk="0" hangingPunct="1">
+              <a:spcBef>
+                <a:spcPct val="20000"/>
+              </a:spcBef>
+              <a:spcAft>
+                <a:spcPts val="600"/>
+              </a:spcAft>
+              <a:buClr>
+                <a:schemeClr val="tx1"/>
+              </a:buClr>
+              <a:buSzPct val="100000"/>
+              <a:buFont typeface="Arial"/>
+              <a:buChar char="•"/>
+              <a:defRPr sz="1400" kern="1200" cap="small">
+                <a:gradFill flip="none" rotWithShape="1">
+                  <a:gsLst>
+                    <a:gs pos="0">
+                      <a:schemeClr val="tx1"/>
+                    </a:gs>
+                    <a:gs pos="100000">
+                      <a:schemeClr val="tx1">
+                        <a:lumMod val="75000"/>
+                      </a:schemeClr>
+                    </a:gs>
+                  </a:gsLst>
+                  <a:lin ang="5580000" scaled="0"/>
+                  <a:tileRect/>
+                </a:gradFill>
+                <a:effectLst>
+                  <a:glow rad="38100">
+                    <a:schemeClr val="bg1">
+                      <a:lumMod val="50000"/>
+                      <a:lumOff val="50000"/>
+                      <a:alpha val="20000"/>
+                    </a:schemeClr>
+                  </a:glow>
+                  <a:outerShdw blurRad="44450" dist="12700" dir="13860000" algn="tl" rotWithShape="0">
+                    <a:srgbClr val="000000">
+                      <a:alpha val="20000"/>
+                    </a:srgbClr>
+                  </a:outerShdw>
+                </a:effectLst>
+                <a:latin typeface="+mn-lt"/>
+                <a:ea typeface="+mn-ea"/>
+                <a:cs typeface="+mn-cs"/>
+              </a:defRPr>
+            </a:lvl4pPr>
+            <a:lvl5pPr marL="2000250" indent="-171450" algn="l" defTabSz="457200" rtl="0" eaLnBrk="1" latinLnBrk="0" hangingPunct="1">
+              <a:spcBef>
+                <a:spcPct val="20000"/>
+              </a:spcBef>
+              <a:spcAft>
+                <a:spcPts val="600"/>
+              </a:spcAft>
+              <a:buClr>
+                <a:schemeClr val="tx1"/>
+              </a:buClr>
+              <a:buSzPct val="100000"/>
+              <a:buFont typeface="Arial"/>
+              <a:buChar char="•"/>
+              <a:defRPr sz="1400" kern="1200" cap="small">
+                <a:gradFill flip="none" rotWithShape="1">
+                  <a:gsLst>
+                    <a:gs pos="0">
+                      <a:schemeClr val="tx1"/>
+                    </a:gs>
+                    <a:gs pos="100000">
+                      <a:schemeClr val="tx1">
+                        <a:lumMod val="75000"/>
+                      </a:schemeClr>
+                    </a:gs>
+                  </a:gsLst>
+                  <a:lin ang="5580000" scaled="0"/>
+                  <a:tileRect/>
+                </a:gradFill>
+                <a:effectLst>
+                  <a:glow rad="38100">
+                    <a:schemeClr val="bg1">
+                      <a:lumMod val="50000"/>
+                      <a:lumOff val="50000"/>
+                      <a:alpha val="20000"/>
+                    </a:schemeClr>
+                  </a:glow>
+                  <a:outerShdw blurRad="44450" dist="12700" dir="13860000" algn="tl" rotWithShape="0">
+                    <a:srgbClr val="000000">
+                      <a:alpha val="20000"/>
+                    </a:srgbClr>
+                  </a:outerShdw>
+                </a:effectLst>
+                <a:latin typeface="+mn-lt"/>
+                <a:ea typeface="+mn-ea"/>
+                <a:cs typeface="+mn-cs"/>
+              </a:defRPr>
+            </a:lvl5pPr>
+            <a:lvl6pPr marL="2514600" indent="-228600" algn="l" defTabSz="457200" rtl="0" eaLnBrk="1" latinLnBrk="0" hangingPunct="1">
+              <a:spcBef>
+                <a:spcPct val="20000"/>
+              </a:spcBef>
+              <a:spcAft>
+                <a:spcPts val="600"/>
+              </a:spcAft>
+              <a:buClr>
+                <a:schemeClr val="tx1"/>
+              </a:buClr>
+              <a:buSzPct val="100000"/>
+              <a:buFont typeface="Arial"/>
+              <a:buChar char="•"/>
+              <a:defRPr sz="1200" kern="1200" cap="small">
+                <a:gradFill flip="none" rotWithShape="1">
+                  <a:gsLst>
+                    <a:gs pos="0">
+                      <a:schemeClr val="tx1"/>
+                    </a:gs>
+                    <a:gs pos="100000">
+                      <a:schemeClr val="tx1">
+                        <a:lumMod val="75000"/>
+                      </a:schemeClr>
+                    </a:gs>
+                  </a:gsLst>
+                  <a:lin ang="5580000" scaled="0"/>
+                  <a:tileRect/>
+                </a:gradFill>
+                <a:effectLst>
+                  <a:glow rad="38100">
+                    <a:schemeClr val="bg1">
+                      <a:lumMod val="50000"/>
+                      <a:lumOff val="50000"/>
+                      <a:alpha val="20000"/>
+                    </a:schemeClr>
+                  </a:glow>
+                  <a:outerShdw blurRad="44450" dist="12700" dir="13860000" algn="tl" rotWithShape="0">
+                    <a:srgbClr val="000000">
+                      <a:alpha val="20000"/>
+                    </a:srgbClr>
+                  </a:outerShdw>
+                </a:effectLst>
+                <a:latin typeface="+mn-lt"/>
+                <a:ea typeface="+mn-ea"/>
+                <a:cs typeface="+mn-cs"/>
+              </a:defRPr>
+            </a:lvl6pPr>
+            <a:lvl7pPr marL="2971800" indent="-228600" algn="l" defTabSz="457200" rtl="0" eaLnBrk="1" latinLnBrk="0" hangingPunct="1">
+              <a:spcBef>
+                <a:spcPct val="20000"/>
+              </a:spcBef>
+              <a:spcAft>
+                <a:spcPts val="600"/>
+              </a:spcAft>
+              <a:buClr>
+                <a:schemeClr val="tx1"/>
+              </a:buClr>
+              <a:buSzPct val="100000"/>
+              <a:buFont typeface="Arial"/>
+              <a:buChar char="•"/>
+              <a:defRPr sz="1200" kern="1200" cap="small">
+                <a:gradFill flip="none" rotWithShape="1">
+                  <a:gsLst>
+                    <a:gs pos="0">
+                      <a:schemeClr val="tx1"/>
+                    </a:gs>
+                    <a:gs pos="100000">
+                      <a:schemeClr val="tx1">
+                        <a:lumMod val="75000"/>
+                      </a:schemeClr>
+                    </a:gs>
+                  </a:gsLst>
+                  <a:lin ang="5580000" scaled="0"/>
+                  <a:tileRect/>
+                </a:gradFill>
+                <a:effectLst>
+                  <a:glow rad="38100">
+                    <a:schemeClr val="bg1">
+                      <a:lumMod val="50000"/>
+                      <a:lumOff val="50000"/>
+                      <a:alpha val="20000"/>
+                    </a:schemeClr>
+                  </a:glow>
+                  <a:outerShdw blurRad="44450" dist="12700" dir="13860000" algn="tl" rotWithShape="0">
+                    <a:srgbClr val="000000">
+                      <a:alpha val="20000"/>
+                    </a:srgbClr>
+                  </a:outerShdw>
+                </a:effectLst>
+                <a:latin typeface="+mn-lt"/>
+                <a:ea typeface="+mn-ea"/>
+                <a:cs typeface="+mn-cs"/>
+              </a:defRPr>
+            </a:lvl7pPr>
+            <a:lvl8pPr marL="3429000" indent="-228600" algn="l" defTabSz="457200" rtl="0" eaLnBrk="1" latinLnBrk="0" hangingPunct="1">
+              <a:spcBef>
+                <a:spcPct val="20000"/>
+              </a:spcBef>
+              <a:spcAft>
+                <a:spcPts val="600"/>
+              </a:spcAft>
+              <a:buClr>
+                <a:schemeClr val="tx1"/>
+              </a:buClr>
+              <a:buSzPct val="100000"/>
+              <a:buFont typeface="Arial"/>
+              <a:buChar char="•"/>
+              <a:defRPr sz="1200" kern="1200" cap="small">
+                <a:gradFill flip="none" rotWithShape="1">
+                  <a:gsLst>
+                    <a:gs pos="0">
+                      <a:schemeClr val="tx1"/>
+                    </a:gs>
+                    <a:gs pos="100000">
+                      <a:schemeClr val="tx1">
+                        <a:lumMod val="75000"/>
+                      </a:schemeClr>
+                    </a:gs>
+                  </a:gsLst>
+                  <a:lin ang="5580000" scaled="0"/>
+                  <a:tileRect/>
+                </a:gradFill>
+                <a:effectLst>
+                  <a:glow rad="38100">
+                    <a:schemeClr val="bg1">
+                      <a:lumMod val="50000"/>
+                      <a:lumOff val="50000"/>
+                      <a:alpha val="20000"/>
+                    </a:schemeClr>
+                  </a:glow>
+                  <a:outerShdw blurRad="44450" dist="12700" dir="13860000" algn="tl" rotWithShape="0">
+                    <a:srgbClr val="000000">
+                      <a:alpha val="20000"/>
+                    </a:srgbClr>
+                  </a:outerShdw>
+                </a:effectLst>
+                <a:latin typeface="+mn-lt"/>
+                <a:ea typeface="+mn-ea"/>
+                <a:cs typeface="+mn-cs"/>
+              </a:defRPr>
+            </a:lvl8pPr>
+            <a:lvl9pPr marL="3886200" indent="-228600" algn="l" defTabSz="457200" rtl="0" eaLnBrk="1" latinLnBrk="0" hangingPunct="1">
+              <a:spcBef>
+                <a:spcPct val="20000"/>
+              </a:spcBef>
+              <a:spcAft>
+                <a:spcPts val="600"/>
+              </a:spcAft>
+              <a:buClr>
+                <a:schemeClr val="tx1"/>
+              </a:buClr>
+              <a:buSzPct val="100000"/>
+              <a:buFont typeface="Arial"/>
+              <a:buChar char="•"/>
+              <a:defRPr sz="1200" kern="1200" cap="small">
+                <a:gradFill flip="none" rotWithShape="1">
+                  <a:gsLst>
+                    <a:gs pos="0">
+                      <a:schemeClr val="tx1"/>
+                    </a:gs>
+                    <a:gs pos="100000">
+                      <a:schemeClr val="tx1">
+                        <a:lumMod val="75000"/>
+                      </a:schemeClr>
+                    </a:gs>
+                  </a:gsLst>
+                  <a:lin ang="5580000" scaled="0"/>
+                  <a:tileRect/>
+                </a:gradFill>
+                <a:effectLst>
+                  <a:glow rad="38100">
+                    <a:schemeClr val="bg1">
+                      <a:lumMod val="50000"/>
+                      <a:lumOff val="50000"/>
+                      <a:alpha val="20000"/>
+                    </a:schemeClr>
+                  </a:glow>
+                  <a:outerShdw blurRad="44450" dist="12700" dir="13860000" algn="tl" rotWithShape="0">
+                    <a:srgbClr val="000000">
+                      <a:alpha val="20000"/>
+                    </a:srgbClr>
+                  </a:outerShdw>
+                </a:effectLst>
+                <a:latin typeface="+mn-lt"/>
+                <a:ea typeface="+mn-ea"/>
+                <a:cs typeface="+mn-cs"/>
+              </a:defRPr>
+            </a:lvl9pPr>
+          </a:lstStyle>
+          <a:p>
+            <a:r>
+              <a:rPr lang="fr-FR" dirty="0"/>
+              <a:t>Manon Morille</a:t>
+            </a:r>
+          </a:p>
+          <a:p>
+            <a:pPr marL="0" indent="0">
+              <a:buFont typeface="Arial"/>
+              <a:buNone/>
+            </a:pPr>
+            <a:r>
+              <a:rPr lang="fr-FR" dirty="0"/>
+              <a:t>Développement du site web</a:t>
+            </a:r>
+          </a:p>
+          <a:p>
+            <a:pPr marL="0" indent="0">
+              <a:buFont typeface="Arial"/>
+              <a:buNone/>
+            </a:pPr>
+            <a:endParaRPr lang="fr-FR" dirty="0"/>
+          </a:p>
+          <a:p>
+            <a:r>
+              <a:rPr lang="fr-FR" dirty="0"/>
+              <a:t>Kilian </a:t>
+            </a:r>
+            <a:r>
+              <a:rPr lang="fr-FR" dirty="0" err="1"/>
+              <a:t>Labattut</a:t>
+            </a:r>
+            <a:endParaRPr lang="fr-FR" dirty="0"/>
+          </a:p>
+          <a:p>
+            <a:pPr marL="0" indent="0">
+              <a:buFont typeface="Arial"/>
+              <a:buNone/>
+            </a:pPr>
+            <a:r>
+              <a:rPr lang="fr-FR" dirty="0"/>
+              <a:t>Capteurs pour sécurité / Page d’alerte </a:t>
+            </a:r>
+          </a:p>
+        </p:txBody>
+      </p:sp>
+      <p:pic>
+        <p:nvPicPr>
+          <p:cNvPr id="6" name="Image 5">
+            <a:extLst>
+              <a:ext uri="{FF2B5EF4-FFF2-40B4-BE49-F238E27FC236}">
+                <a16:creationId xmlns:a16="http://schemas.microsoft.com/office/drawing/2014/main" id="{F03CEA8B-2056-4FED-A6A0-20A9EFF96191}"/>
+              </a:ext>
+            </a:extLst>
+          </p:cNvPr>
+          <p:cNvPicPr>
+            <a:picLocks noChangeAspect="1"/>
+          </p:cNvPicPr>
+          <p:nvPr/>
+        </p:nvPicPr>
+        <p:blipFill>
+          <a:blip r:embed="rId2">
+            <a:extLst>
+              <a:ext uri="{28A0092B-C50C-407E-A947-70E740481C1C}">
+                <a14:useLocalDpi xmlns:a14="http://schemas.microsoft.com/office/drawing/2010/main" val="0"/>
+              </a:ext>
+            </a:extLst>
+          </a:blip>
+          <a:stretch>
+            <a:fillRect/>
+          </a:stretch>
+        </p:blipFill>
+        <p:spPr>
+          <a:xfrm>
+            <a:off x="9866489" y="6122696"/>
+            <a:ext cx="2325511" cy="735304"/>
+          </a:xfrm>
+          <a:prstGeom prst="rect">
+            <a:avLst/>
+          </a:prstGeom>
+        </p:spPr>
+      </p:pic>
+    </p:spTree>
+    <p:extLst>
+      <p:ext uri="{BB962C8B-B14F-4D97-AF65-F5344CB8AC3E}">
+        <p14:creationId xmlns:p14="http://schemas.microsoft.com/office/powerpoint/2010/main" val="4032526889"/>
+      </p:ext>
+    </p:extLst>
+  </p:cSld>
+  <p:clrMapOvr>
+    <a:masterClrMapping/>
+  </p:clrMapOvr>
+</p:sld>
+</file>
+
 <file path=ppt/slides/slide4.xml><?xml version="1.0" encoding="utf-8"?>
 <p:sld xmlns:a="http://schemas.openxmlformats.org/drawingml/2006/main" xmlns:r="http://schemas.openxmlformats.org/officeDocument/2006/relationships" xmlns:p="http://schemas.openxmlformats.org/presentationml/2006/main">
   <p:cSld>
@@ -7577,7 +7577,7 @@
         </p:blipFill>
         <p:spPr>
           <a:xfrm>
-            <a:off x="4598015" y="2514600"/>
+            <a:off x="4564459" y="2405543"/>
             <a:ext cx="2992794" cy="2992794"/>
           </a:xfrm>
           <a:prstGeom prst="rect">
